--- a/Freshman_Train_RFID.pptx
+++ b/Freshman_Train_RFID.pptx
@@ -300,7 +300,7 @@
           <a:p>
             <a:fld id="{D417A10C-87C9-49E5-AE05-110105D8C539}" type="datetimeFigureOut">
               <a:rPr lang="zh-TW" altLang="en-US" smtClean="0"/>
-              <a:t>2018/8/7</a:t>
+              <a:t>2018/8/12</a:t>
             </a:fld>
             <a:endParaRPr lang="zh-TW" altLang="en-US"/>
           </a:p>
@@ -5485,7 +5485,7 @@
           <p:cNvPr id="20" name="Group 19">
             <a:extLst>
               <a:ext uri="{FF2B5EF4-FFF2-40B4-BE49-F238E27FC236}">
-                <a16:creationId xmlns:a16="http://schemas.microsoft.com/office/drawing/2014/main" id="{C3ED851A-5624-9445-94A3-FC256390EFF0}"/>
+                <a16:creationId xmlns:a16="http://schemas.microsoft.com/office/drawing/2014/main" xmlns="" id="{C3ED851A-5624-9445-94A3-FC256390EFF0}"/>
               </a:ext>
             </a:extLst>
           </p:cNvPr>
@@ -5505,7 +5505,7 @@
             <p:cNvPr id="21" name="箭號: 五邊形 12">
               <a:extLst>
                 <a:ext uri="{FF2B5EF4-FFF2-40B4-BE49-F238E27FC236}">
-                  <a16:creationId xmlns:a16="http://schemas.microsoft.com/office/drawing/2014/main" id="{7DED8486-E1FD-814E-B2DE-F488A3CEA671}"/>
+                  <a16:creationId xmlns:a16="http://schemas.microsoft.com/office/drawing/2014/main" xmlns="" id="{7DED8486-E1FD-814E-B2DE-F488A3CEA671}"/>
                 </a:ext>
               </a:extLst>
             </p:cNvPr>
@@ -5557,7 +5557,7 @@
             <p:cNvPr id="23" name="箭號: 五邊形 12">
               <a:extLst>
                 <a:ext uri="{FF2B5EF4-FFF2-40B4-BE49-F238E27FC236}">
-                  <a16:creationId xmlns:a16="http://schemas.microsoft.com/office/drawing/2014/main" id="{8C392F49-5181-FA4B-9412-A387B34C316C}"/>
+                  <a16:creationId xmlns:a16="http://schemas.microsoft.com/office/drawing/2014/main" xmlns="" id="{8C392F49-5181-FA4B-9412-A387B34C316C}"/>
                 </a:ext>
               </a:extLst>
             </p:cNvPr>
@@ -5616,7 +5616,7 @@
             <p:cNvPr id="26" name="箭號: 五邊形 12">
               <a:extLst>
                 <a:ext uri="{FF2B5EF4-FFF2-40B4-BE49-F238E27FC236}">
-                  <a16:creationId xmlns:a16="http://schemas.microsoft.com/office/drawing/2014/main" id="{A2A2AEE9-8884-2D45-AA3A-3CE8B669A441}"/>
+                  <a16:creationId xmlns:a16="http://schemas.microsoft.com/office/drawing/2014/main" xmlns="" id="{A2A2AEE9-8884-2D45-AA3A-3CE8B669A441}"/>
                 </a:ext>
               </a:extLst>
             </p:cNvPr>
@@ -6045,7 +6045,7 @@
           <p:cNvPr id="34" name="Text Placeholder 3">
             <a:extLst>
               <a:ext uri="{FF2B5EF4-FFF2-40B4-BE49-F238E27FC236}">
-                <a16:creationId xmlns:a16="http://schemas.microsoft.com/office/drawing/2014/main" id="{CB4F27FF-A5B2-0945-A886-8994C9CF0F9A}"/>
+                <a16:creationId xmlns:a16="http://schemas.microsoft.com/office/drawing/2014/main" xmlns="" id="{CB4F27FF-A5B2-0945-A886-8994C9CF0F9A}"/>
               </a:ext>
             </a:extLst>
           </p:cNvPr>
@@ -6099,7 +6099,7 @@
           <p:cNvPr id="35" name="Content Placeholder 5">
             <a:extLst>
               <a:ext uri="{FF2B5EF4-FFF2-40B4-BE49-F238E27FC236}">
-                <a16:creationId xmlns:a16="http://schemas.microsoft.com/office/drawing/2014/main" id="{1CE5651F-F4F6-9D45-A553-66B6FFCA522B}"/>
+                <a16:creationId xmlns:a16="http://schemas.microsoft.com/office/drawing/2014/main" xmlns="" id="{1CE5651F-F4F6-9D45-A553-66B6FFCA522B}"/>
               </a:ext>
             </a:extLst>
           </p:cNvPr>
@@ -6147,7 +6147,7 @@
           <p:cNvPr id="6" name="Picture 5">
             <a:extLst>
               <a:ext uri="{FF2B5EF4-FFF2-40B4-BE49-F238E27FC236}">
-                <a16:creationId xmlns:a16="http://schemas.microsoft.com/office/drawing/2014/main" id="{5BB22815-3E3B-0B48-9DCA-B05C2D5B9D70}"/>
+                <a16:creationId xmlns:a16="http://schemas.microsoft.com/office/drawing/2014/main" xmlns="" id="{5BB22815-3E3B-0B48-9DCA-B05C2D5B9D70}"/>
               </a:ext>
             </a:extLst>
           </p:cNvPr>
@@ -7249,7 +7249,7 @@
           <p:cNvPr id="15" name="直排文字版面配置區 2">
             <a:extLst>
               <a:ext uri="{FF2B5EF4-FFF2-40B4-BE49-F238E27FC236}">
-                <a16:creationId xmlns:a16="http://schemas.microsoft.com/office/drawing/2014/main" id="{5B0754CD-A593-D647-8F43-33A88CDADB61}"/>
+                <a16:creationId xmlns:a16="http://schemas.microsoft.com/office/drawing/2014/main" xmlns="" id="{5B0754CD-A593-D647-8F43-33A88CDADB61}"/>
               </a:ext>
             </a:extLst>
           </p:cNvPr>
@@ -7459,7 +7459,7 @@
           <p:cNvPr id="20" name="Group 19">
             <a:extLst>
               <a:ext uri="{FF2B5EF4-FFF2-40B4-BE49-F238E27FC236}">
-                <a16:creationId xmlns:a16="http://schemas.microsoft.com/office/drawing/2014/main" id="{C3ED851A-5624-9445-94A3-FC256390EFF0}"/>
+                <a16:creationId xmlns:a16="http://schemas.microsoft.com/office/drawing/2014/main" xmlns="" id="{C3ED851A-5624-9445-94A3-FC256390EFF0}"/>
               </a:ext>
             </a:extLst>
           </p:cNvPr>
@@ -7479,7 +7479,7 @@
             <p:cNvPr id="21" name="箭號: 五邊形 12">
               <a:extLst>
                 <a:ext uri="{FF2B5EF4-FFF2-40B4-BE49-F238E27FC236}">
-                  <a16:creationId xmlns:a16="http://schemas.microsoft.com/office/drawing/2014/main" id="{7DED8486-E1FD-814E-B2DE-F488A3CEA671}"/>
+                  <a16:creationId xmlns:a16="http://schemas.microsoft.com/office/drawing/2014/main" xmlns="" id="{7DED8486-E1FD-814E-B2DE-F488A3CEA671}"/>
                 </a:ext>
               </a:extLst>
             </p:cNvPr>
@@ -7531,7 +7531,7 @@
             <p:cNvPr id="23" name="箭號: 五邊形 12">
               <a:extLst>
                 <a:ext uri="{FF2B5EF4-FFF2-40B4-BE49-F238E27FC236}">
-                  <a16:creationId xmlns:a16="http://schemas.microsoft.com/office/drawing/2014/main" id="{8C392F49-5181-FA4B-9412-A387B34C316C}"/>
+                  <a16:creationId xmlns:a16="http://schemas.microsoft.com/office/drawing/2014/main" xmlns="" id="{8C392F49-5181-FA4B-9412-A387B34C316C}"/>
                 </a:ext>
               </a:extLst>
             </p:cNvPr>
@@ -7590,7 +7590,7 @@
             <p:cNvPr id="26" name="箭號: 五邊形 12">
               <a:extLst>
                 <a:ext uri="{FF2B5EF4-FFF2-40B4-BE49-F238E27FC236}">
-                  <a16:creationId xmlns:a16="http://schemas.microsoft.com/office/drawing/2014/main" id="{A2A2AEE9-8884-2D45-AA3A-3CE8B669A441}"/>
+                  <a16:creationId xmlns:a16="http://schemas.microsoft.com/office/drawing/2014/main" xmlns="" id="{A2A2AEE9-8884-2D45-AA3A-3CE8B669A441}"/>
                 </a:ext>
               </a:extLst>
             </p:cNvPr>
@@ -8019,7 +8019,7 @@
           <p:cNvPr id="34" name="Text Placeholder 3">
             <a:extLst>
               <a:ext uri="{FF2B5EF4-FFF2-40B4-BE49-F238E27FC236}">
-                <a16:creationId xmlns:a16="http://schemas.microsoft.com/office/drawing/2014/main" id="{CB4F27FF-A5B2-0945-A886-8994C9CF0F9A}"/>
+                <a16:creationId xmlns:a16="http://schemas.microsoft.com/office/drawing/2014/main" xmlns="" id="{CB4F27FF-A5B2-0945-A886-8994C9CF0F9A}"/>
               </a:ext>
             </a:extLst>
           </p:cNvPr>
@@ -8073,7 +8073,7 @@
           <p:cNvPr id="35" name="Content Placeholder 5">
             <a:extLst>
               <a:ext uri="{FF2B5EF4-FFF2-40B4-BE49-F238E27FC236}">
-                <a16:creationId xmlns:a16="http://schemas.microsoft.com/office/drawing/2014/main" id="{1CE5651F-F4F6-9D45-A553-66B6FFCA522B}"/>
+                <a16:creationId xmlns:a16="http://schemas.microsoft.com/office/drawing/2014/main" xmlns="" id="{1CE5651F-F4F6-9D45-A553-66B6FFCA522B}"/>
               </a:ext>
             </a:extLst>
           </p:cNvPr>
@@ -8121,7 +8121,7 @@
           <p:cNvPr id="6" name="Picture 5">
             <a:extLst>
               <a:ext uri="{FF2B5EF4-FFF2-40B4-BE49-F238E27FC236}">
-                <a16:creationId xmlns:a16="http://schemas.microsoft.com/office/drawing/2014/main" id="{5BB22815-3E3B-0B48-9DCA-B05C2D5B9D70}"/>
+                <a16:creationId xmlns:a16="http://schemas.microsoft.com/office/drawing/2014/main" xmlns="" id="{5BB22815-3E3B-0B48-9DCA-B05C2D5B9D70}"/>
               </a:ext>
             </a:extLst>
           </p:cNvPr>
@@ -8833,7 +8833,7 @@
           <p:cNvPr id="12" name="Group 11">
             <a:extLst>
               <a:ext uri="{FF2B5EF4-FFF2-40B4-BE49-F238E27FC236}">
-                <a16:creationId xmlns:a16="http://schemas.microsoft.com/office/drawing/2014/main" id="{FECCA331-FFA6-F840-9C60-BF25ACF3BDB5}"/>
+                <a16:creationId xmlns:a16="http://schemas.microsoft.com/office/drawing/2014/main" xmlns="" id="{FECCA331-FFA6-F840-9C60-BF25ACF3BDB5}"/>
               </a:ext>
             </a:extLst>
           </p:cNvPr>
@@ -8853,7 +8853,7 @@
             <p:cNvPr id="13" name="箭號: 五邊形 12">
               <a:extLst>
                 <a:ext uri="{FF2B5EF4-FFF2-40B4-BE49-F238E27FC236}">
-                  <a16:creationId xmlns:a16="http://schemas.microsoft.com/office/drawing/2014/main" id="{1ECC6466-4EFD-5345-BC17-67AB57731DB7}"/>
+                  <a16:creationId xmlns:a16="http://schemas.microsoft.com/office/drawing/2014/main" xmlns="" id="{1ECC6466-4EFD-5345-BC17-67AB57731DB7}"/>
                 </a:ext>
               </a:extLst>
             </p:cNvPr>
@@ -8905,7 +8905,7 @@
             <p:cNvPr id="14" name="箭號: 五邊形 12">
               <a:extLst>
                 <a:ext uri="{FF2B5EF4-FFF2-40B4-BE49-F238E27FC236}">
-                  <a16:creationId xmlns:a16="http://schemas.microsoft.com/office/drawing/2014/main" id="{6CF55724-0A99-E64A-AB4C-0938CB62E153}"/>
+                  <a16:creationId xmlns:a16="http://schemas.microsoft.com/office/drawing/2014/main" xmlns="" id="{6CF55724-0A99-E64A-AB4C-0938CB62E153}"/>
                 </a:ext>
               </a:extLst>
             </p:cNvPr>
@@ -8964,7 +8964,7 @@
             <p:cNvPr id="15" name="箭號: 五邊形 12">
               <a:extLst>
                 <a:ext uri="{FF2B5EF4-FFF2-40B4-BE49-F238E27FC236}">
-                  <a16:creationId xmlns:a16="http://schemas.microsoft.com/office/drawing/2014/main" id="{D65D1FB8-4CF4-8B4A-A307-6F7F618C0D88}"/>
+                  <a16:creationId xmlns:a16="http://schemas.microsoft.com/office/drawing/2014/main" xmlns="" id="{D65D1FB8-4CF4-8B4A-A307-6F7F618C0D88}"/>
                 </a:ext>
               </a:extLst>
             </p:cNvPr>
@@ -9273,7 +9273,7 @@
           <p:cNvPr id="5" name="Picture 4">
             <a:extLst>
               <a:ext uri="{FF2B5EF4-FFF2-40B4-BE49-F238E27FC236}">
-                <a16:creationId xmlns:a16="http://schemas.microsoft.com/office/drawing/2014/main" id="{33C27645-19DC-4542-810A-E94761D6E227}"/>
+                <a16:creationId xmlns:a16="http://schemas.microsoft.com/office/drawing/2014/main" xmlns="" id="{33C27645-19DC-4542-810A-E94761D6E227}"/>
               </a:ext>
             </a:extLst>
           </p:cNvPr>
@@ -9772,7 +9772,7 @@
           <p:cNvPr id="23" name="內容版面配置區 2">
             <a:extLst>
               <a:ext uri="{FF2B5EF4-FFF2-40B4-BE49-F238E27FC236}">
-                <a16:creationId xmlns:a16="http://schemas.microsoft.com/office/drawing/2014/main" id="{9D1178A4-A62F-AE47-B4FD-DFBDEBC0B7E1}"/>
+                <a16:creationId xmlns:a16="http://schemas.microsoft.com/office/drawing/2014/main" xmlns="" id="{9D1178A4-A62F-AE47-B4FD-DFBDEBC0B7E1}"/>
               </a:ext>
             </a:extLst>
           </p:cNvPr>
@@ -9919,7 +9919,7 @@
           <p:cNvPr id="24" name="內容版面配置區 2">
             <a:extLst>
               <a:ext uri="{FF2B5EF4-FFF2-40B4-BE49-F238E27FC236}">
-                <a16:creationId xmlns:a16="http://schemas.microsoft.com/office/drawing/2014/main" id="{18BDE748-AF06-9848-B53D-40087470A386}"/>
+                <a16:creationId xmlns:a16="http://schemas.microsoft.com/office/drawing/2014/main" xmlns="" id="{18BDE748-AF06-9848-B53D-40087470A386}"/>
               </a:ext>
             </a:extLst>
           </p:cNvPr>
@@ -10670,7 +10670,7 @@
           <p:cNvPr id="20" name="內容版面配置區 2">
             <a:extLst>
               <a:ext uri="{FF2B5EF4-FFF2-40B4-BE49-F238E27FC236}">
-                <a16:creationId xmlns:a16="http://schemas.microsoft.com/office/drawing/2014/main" id="{9A4A12A5-18A4-CA4A-8E68-97EAFD19927B}"/>
+                <a16:creationId xmlns:a16="http://schemas.microsoft.com/office/drawing/2014/main" xmlns="" id="{9A4A12A5-18A4-CA4A-8E68-97EAFD19927B}"/>
               </a:ext>
             </a:extLst>
           </p:cNvPr>
@@ -10817,7 +10817,7 @@
           <p:cNvPr id="21" name="內容版面配置區 2">
             <a:extLst>
               <a:ext uri="{FF2B5EF4-FFF2-40B4-BE49-F238E27FC236}">
-                <a16:creationId xmlns:a16="http://schemas.microsoft.com/office/drawing/2014/main" id="{E09B3CAD-22B9-BC48-9D7D-2345FF14DD38}"/>
+                <a16:creationId xmlns:a16="http://schemas.microsoft.com/office/drawing/2014/main" xmlns="" id="{E09B3CAD-22B9-BC48-9D7D-2345FF14DD38}"/>
               </a:ext>
             </a:extLst>
           </p:cNvPr>
@@ -11734,7 +11734,7 @@
           <p:cNvPr id="5" name="Group 4">
             <a:extLst>
               <a:ext uri="{FF2B5EF4-FFF2-40B4-BE49-F238E27FC236}">
-                <a16:creationId xmlns:a16="http://schemas.microsoft.com/office/drawing/2014/main" id="{4DADA6C2-E637-F642-95E5-0309E3EB9F41}"/>
+                <a16:creationId xmlns:a16="http://schemas.microsoft.com/office/drawing/2014/main" xmlns="" id="{4DADA6C2-E637-F642-95E5-0309E3EB9F41}"/>
               </a:ext>
             </a:extLst>
           </p:cNvPr>
@@ -11754,7 +11754,7 @@
             <p:cNvPr id="17" name="箭號: 五邊形 12">
               <a:extLst>
                 <a:ext uri="{FF2B5EF4-FFF2-40B4-BE49-F238E27FC236}">
-                  <a16:creationId xmlns:a16="http://schemas.microsoft.com/office/drawing/2014/main" id="{C3424005-2947-5749-B94D-7EE01D59B97D}"/>
+                  <a16:creationId xmlns:a16="http://schemas.microsoft.com/office/drawing/2014/main" xmlns="" id="{C3424005-2947-5749-B94D-7EE01D59B97D}"/>
                 </a:ext>
               </a:extLst>
             </p:cNvPr>
@@ -11806,7 +11806,7 @@
             <p:cNvPr id="16" name="箭號: 五邊形 12">
               <a:extLst>
                 <a:ext uri="{FF2B5EF4-FFF2-40B4-BE49-F238E27FC236}">
-                  <a16:creationId xmlns:a16="http://schemas.microsoft.com/office/drawing/2014/main" id="{78B68587-E393-9C46-A4CA-137BCC2B13AD}"/>
+                  <a16:creationId xmlns:a16="http://schemas.microsoft.com/office/drawing/2014/main" xmlns="" id="{78B68587-E393-9C46-A4CA-137BCC2B13AD}"/>
                 </a:ext>
               </a:extLst>
             </p:cNvPr>
@@ -12274,7 +12274,7 @@
           <p:cNvPr id="18" name="內容版面配置區 2">
             <a:extLst>
               <a:ext uri="{FF2B5EF4-FFF2-40B4-BE49-F238E27FC236}">
-                <a16:creationId xmlns:a16="http://schemas.microsoft.com/office/drawing/2014/main" id="{BB9680E6-3D9F-FF42-BA19-F206A773FE60}"/>
+                <a16:creationId xmlns:a16="http://schemas.microsoft.com/office/drawing/2014/main" xmlns="" id="{BB9680E6-3D9F-FF42-BA19-F206A773FE60}"/>
               </a:ext>
             </a:extLst>
           </p:cNvPr>
@@ -12459,7 +12459,7 @@
           <p:cNvPr id="15" name="Group 14">
             <a:extLst>
               <a:ext uri="{FF2B5EF4-FFF2-40B4-BE49-F238E27FC236}">
-                <a16:creationId xmlns:a16="http://schemas.microsoft.com/office/drawing/2014/main" id="{7108562A-19D8-3347-A5CB-8FD2094D2AC6}"/>
+                <a16:creationId xmlns:a16="http://schemas.microsoft.com/office/drawing/2014/main" xmlns="" id="{7108562A-19D8-3347-A5CB-8FD2094D2AC6}"/>
               </a:ext>
             </a:extLst>
           </p:cNvPr>
@@ -12479,7 +12479,7 @@
             <p:cNvPr id="16" name="箭號: 五邊形 12">
               <a:extLst>
                 <a:ext uri="{FF2B5EF4-FFF2-40B4-BE49-F238E27FC236}">
-                  <a16:creationId xmlns:a16="http://schemas.microsoft.com/office/drawing/2014/main" id="{0350FA7D-8512-F24E-9F36-7F4296D197F2}"/>
+                  <a16:creationId xmlns:a16="http://schemas.microsoft.com/office/drawing/2014/main" xmlns="" id="{0350FA7D-8512-F24E-9F36-7F4296D197F2}"/>
                 </a:ext>
               </a:extLst>
             </p:cNvPr>
@@ -12531,7 +12531,7 @@
             <p:cNvPr id="17" name="箭號: 五邊形 12">
               <a:extLst>
                 <a:ext uri="{FF2B5EF4-FFF2-40B4-BE49-F238E27FC236}">
-                  <a16:creationId xmlns:a16="http://schemas.microsoft.com/office/drawing/2014/main" id="{125DE2BA-1E8B-2447-AEBE-4BDB2873316E}"/>
+                  <a16:creationId xmlns:a16="http://schemas.microsoft.com/office/drawing/2014/main" xmlns="" id="{125DE2BA-1E8B-2447-AEBE-4BDB2873316E}"/>
                 </a:ext>
               </a:extLst>
             </p:cNvPr>
@@ -12590,7 +12590,7 @@
             <p:cNvPr id="18" name="箭號: 五邊形 12">
               <a:extLst>
                 <a:ext uri="{FF2B5EF4-FFF2-40B4-BE49-F238E27FC236}">
-                  <a16:creationId xmlns:a16="http://schemas.microsoft.com/office/drawing/2014/main" id="{467877CF-B77C-BE4F-8D6F-89063BBFC3DE}"/>
+                  <a16:creationId xmlns:a16="http://schemas.microsoft.com/office/drawing/2014/main" xmlns="" id="{467877CF-B77C-BE4F-8D6F-89063BBFC3DE}"/>
                 </a:ext>
               </a:extLst>
             </p:cNvPr>
@@ -12953,7 +12953,7 @@
           <p:cNvPr id="22" name="標題 1">
             <a:extLst>
               <a:ext uri="{FF2B5EF4-FFF2-40B4-BE49-F238E27FC236}">
-                <a16:creationId xmlns:a16="http://schemas.microsoft.com/office/drawing/2014/main" id="{6E193196-9107-784C-A964-C67153D060CB}"/>
+                <a16:creationId xmlns:a16="http://schemas.microsoft.com/office/drawing/2014/main" xmlns="" id="{6E193196-9107-784C-A964-C67153D060CB}"/>
               </a:ext>
             </a:extLst>
           </p:cNvPr>
@@ -12996,7 +12996,7 @@
           <p:cNvPr id="24" name="文字版面配置區 3">
             <a:extLst>
               <a:ext uri="{FF2B5EF4-FFF2-40B4-BE49-F238E27FC236}">
-                <a16:creationId xmlns:a16="http://schemas.microsoft.com/office/drawing/2014/main" id="{5922BEEB-F3AC-E443-B34D-CE264A982284}"/>
+                <a16:creationId xmlns:a16="http://schemas.microsoft.com/office/drawing/2014/main" xmlns="" id="{5922BEEB-F3AC-E443-B34D-CE264A982284}"/>
               </a:ext>
             </a:extLst>
           </p:cNvPr>
@@ -20785,7 +20785,7 @@
                       <m:sSupPr>
                         <m:ctrlPr>
                           <a:rPr lang="en-US" altLang="zh-TW" i="1" smtClean="0">
-                            <a:latin typeface="Cambria Math" panose="02040503050406030204" pitchFamily="18" charset="0"/>
+                            <a:latin typeface="Cambria Math" charset="0"/>
                             <a:ea typeface="Times New Roman" charset="0"/>
                             <a:cs typeface="Times New Roman" charset="0"/>
                           </a:rPr>
@@ -22527,7 +22527,7 @@
         </p:nvSpPr>
         <p:spPr>
           <a:xfrm>
-            <a:off x="9627112" y="1796916"/>
+            <a:off x="9627112" y="1808491"/>
             <a:ext cx="390648" cy="553998"/>
           </a:xfrm>
           <a:prstGeom prst="rect">
@@ -22576,7 +22576,7 @@
         </p:nvSpPr>
         <p:spPr>
           <a:xfrm>
-            <a:off x="9820152" y="1796916"/>
+            <a:off x="9820152" y="1808491"/>
             <a:ext cx="390648" cy="553998"/>
           </a:xfrm>
           <a:prstGeom prst="rect">
@@ -22625,7 +22625,7 @@
         </p:nvSpPr>
         <p:spPr>
           <a:xfrm>
-            <a:off x="10104632" y="1800019"/>
+            <a:off x="10104632" y="1811594"/>
             <a:ext cx="380488" cy="553998"/>
           </a:xfrm>
           <a:prstGeom prst="rect">
@@ -22674,7 +22674,7 @@
         </p:nvSpPr>
         <p:spPr>
           <a:xfrm>
-            <a:off x="10287512" y="1796916"/>
+            <a:off x="10287512" y="1808491"/>
             <a:ext cx="390648" cy="553998"/>
           </a:xfrm>
           <a:prstGeom prst="rect">
@@ -27623,35 +27623,35 @@
                 <a:gridCol w="2331963">
                   <a:extLst>
                     <a:ext uri="{9D8B030D-6E8A-4147-A177-3AD203B41FA5}">
-                      <a16:colId xmlns:a16="http://schemas.microsoft.com/office/drawing/2014/main" val="20000"/>
+                      <a16:colId xmlns:a16="http://schemas.microsoft.com/office/drawing/2014/main" xmlns="" val="20000"/>
                     </a:ext>
                   </a:extLst>
                 </a:gridCol>
                 <a:gridCol w="2331963">
                   <a:extLst>
                     <a:ext uri="{9D8B030D-6E8A-4147-A177-3AD203B41FA5}">
-                      <a16:colId xmlns:a16="http://schemas.microsoft.com/office/drawing/2014/main" val="20001"/>
+                      <a16:colId xmlns:a16="http://schemas.microsoft.com/office/drawing/2014/main" xmlns="" val="20001"/>
                     </a:ext>
                   </a:extLst>
                 </a:gridCol>
                 <a:gridCol w="2331963">
                   <a:extLst>
                     <a:ext uri="{9D8B030D-6E8A-4147-A177-3AD203B41FA5}">
-                      <a16:colId xmlns:a16="http://schemas.microsoft.com/office/drawing/2014/main" val="20002"/>
+                      <a16:colId xmlns:a16="http://schemas.microsoft.com/office/drawing/2014/main" xmlns="" val="20002"/>
                     </a:ext>
                   </a:extLst>
                 </a:gridCol>
                 <a:gridCol w="2331963">
                   <a:extLst>
                     <a:ext uri="{9D8B030D-6E8A-4147-A177-3AD203B41FA5}">
-                      <a16:colId xmlns:a16="http://schemas.microsoft.com/office/drawing/2014/main" val="20003"/>
+                      <a16:colId xmlns:a16="http://schemas.microsoft.com/office/drawing/2014/main" xmlns="" val="20003"/>
                     </a:ext>
                   </a:extLst>
                 </a:gridCol>
                 <a:gridCol w="2331963">
                   <a:extLst>
                     <a:ext uri="{9D8B030D-6E8A-4147-A177-3AD203B41FA5}">
-                      <a16:colId xmlns:a16="http://schemas.microsoft.com/office/drawing/2014/main" val="20004"/>
+                      <a16:colId xmlns:a16="http://schemas.microsoft.com/office/drawing/2014/main" xmlns="" val="20004"/>
                     </a:ext>
                   </a:extLst>
                 </a:gridCol>
@@ -28569,7 +28569,7 @@
                 </a:tc>
                 <a:extLst>
                   <a:ext uri="{0D108BD9-81ED-4DB2-BD59-A6C34878D82A}">
-                    <a16:rowId xmlns:a16="http://schemas.microsoft.com/office/drawing/2014/main" val="10000"/>
+                    <a16:rowId xmlns:a16="http://schemas.microsoft.com/office/drawing/2014/main" xmlns="" val="10000"/>
                   </a:ext>
                 </a:extLst>
               </a:tr>
@@ -29519,7 +29519,7 @@
                 </a:tc>
                 <a:extLst>
                   <a:ext uri="{0D108BD9-81ED-4DB2-BD59-A6C34878D82A}">
-                    <a16:rowId xmlns:a16="http://schemas.microsoft.com/office/drawing/2014/main" val="10001"/>
+                    <a16:rowId xmlns:a16="http://schemas.microsoft.com/office/drawing/2014/main" xmlns="" val="10001"/>
                   </a:ext>
                 </a:extLst>
               </a:tr>
@@ -30502,7 +30502,7 @@
                 </a:tc>
                 <a:extLst>
                   <a:ext uri="{0D108BD9-81ED-4DB2-BD59-A6C34878D82A}">
-                    <a16:rowId xmlns:a16="http://schemas.microsoft.com/office/drawing/2014/main" val="10002"/>
+                    <a16:rowId xmlns:a16="http://schemas.microsoft.com/office/drawing/2014/main" xmlns="" val="10002"/>
                   </a:ext>
                 </a:extLst>
               </a:tr>
@@ -31452,7 +31452,7 @@
                 </a:tc>
                 <a:extLst>
                   <a:ext uri="{0D108BD9-81ED-4DB2-BD59-A6C34878D82A}">
-                    <a16:rowId xmlns:a16="http://schemas.microsoft.com/office/drawing/2014/main" val="10003"/>
+                    <a16:rowId xmlns:a16="http://schemas.microsoft.com/office/drawing/2014/main" xmlns="" val="10003"/>
                   </a:ext>
                 </a:extLst>
               </a:tr>
@@ -32402,7 +32402,7 @@
                 </a:tc>
                 <a:extLst>
                   <a:ext uri="{0D108BD9-81ED-4DB2-BD59-A6C34878D82A}">
-                    <a16:rowId xmlns:a16="http://schemas.microsoft.com/office/drawing/2014/main" val="10004"/>
+                    <a16:rowId xmlns:a16="http://schemas.microsoft.com/office/drawing/2014/main" xmlns="" val="10004"/>
                   </a:ext>
                 </a:extLst>
               </a:tr>
@@ -35479,21 +35479,21 @@
                 <a:gridCol w="3840559">
                   <a:extLst>
                     <a:ext uri="{9D8B030D-6E8A-4147-A177-3AD203B41FA5}">
-                      <a16:colId xmlns:a16="http://schemas.microsoft.com/office/drawing/2014/main" val="20000"/>
+                      <a16:colId xmlns:a16="http://schemas.microsoft.com/office/drawing/2014/main" xmlns="" val="20000"/>
                     </a:ext>
                   </a:extLst>
                 </a:gridCol>
                 <a:gridCol w="3840559">
                   <a:extLst>
                     <a:ext uri="{9D8B030D-6E8A-4147-A177-3AD203B41FA5}">
-                      <a16:colId xmlns:a16="http://schemas.microsoft.com/office/drawing/2014/main" val="20001"/>
+                      <a16:colId xmlns:a16="http://schemas.microsoft.com/office/drawing/2014/main" xmlns="" val="20001"/>
                     </a:ext>
                   </a:extLst>
                 </a:gridCol>
                 <a:gridCol w="3840559">
                   <a:extLst>
                     <a:ext uri="{9D8B030D-6E8A-4147-A177-3AD203B41FA5}">
-                      <a16:colId xmlns:a16="http://schemas.microsoft.com/office/drawing/2014/main" val="20002"/>
+                      <a16:colId xmlns:a16="http://schemas.microsoft.com/office/drawing/2014/main" xmlns="" val="20002"/>
                     </a:ext>
                   </a:extLst>
                 </a:gridCol>
@@ -35599,7 +35599,7 @@
                 </a:tc>
                 <a:extLst>
                   <a:ext uri="{0D108BD9-81ED-4DB2-BD59-A6C34878D82A}">
-                    <a16:rowId xmlns:a16="http://schemas.microsoft.com/office/drawing/2014/main" val="10000"/>
+                    <a16:rowId xmlns:a16="http://schemas.microsoft.com/office/drawing/2014/main" xmlns="" val="10000"/>
                   </a:ext>
                 </a:extLst>
               </a:tr>
@@ -35694,7 +35694,7 @@
                 </a:tc>
                 <a:extLst>
                   <a:ext uri="{0D108BD9-81ED-4DB2-BD59-A6C34878D82A}">
-                    <a16:rowId xmlns:a16="http://schemas.microsoft.com/office/drawing/2014/main" val="10001"/>
+                    <a16:rowId xmlns:a16="http://schemas.microsoft.com/office/drawing/2014/main" xmlns="" val="10001"/>
                   </a:ext>
                 </a:extLst>
               </a:tr>
@@ -35781,7 +35781,7 @@
                 </a:tc>
                 <a:extLst>
                   <a:ext uri="{0D108BD9-81ED-4DB2-BD59-A6C34878D82A}">
-                    <a16:rowId xmlns:a16="http://schemas.microsoft.com/office/drawing/2014/main" val="10002"/>
+                    <a16:rowId xmlns:a16="http://schemas.microsoft.com/office/drawing/2014/main" xmlns="" val="10002"/>
                   </a:ext>
                 </a:extLst>
               </a:tr>
@@ -35978,21 +35978,21 @@
                 <a:gridCol w="3840559">
                   <a:extLst>
                     <a:ext uri="{9D8B030D-6E8A-4147-A177-3AD203B41FA5}">
-                      <a16:colId xmlns:a16="http://schemas.microsoft.com/office/drawing/2014/main" val="20000"/>
+                      <a16:colId xmlns:a16="http://schemas.microsoft.com/office/drawing/2014/main" xmlns="" val="20000"/>
                     </a:ext>
                   </a:extLst>
                 </a:gridCol>
                 <a:gridCol w="3840559">
                   <a:extLst>
                     <a:ext uri="{9D8B030D-6E8A-4147-A177-3AD203B41FA5}">
-                      <a16:colId xmlns:a16="http://schemas.microsoft.com/office/drawing/2014/main" val="20001"/>
+                      <a16:colId xmlns:a16="http://schemas.microsoft.com/office/drawing/2014/main" xmlns="" val="20001"/>
                     </a:ext>
                   </a:extLst>
                 </a:gridCol>
                 <a:gridCol w="3840559">
                   <a:extLst>
                     <a:ext uri="{9D8B030D-6E8A-4147-A177-3AD203B41FA5}">
-                      <a16:colId xmlns:a16="http://schemas.microsoft.com/office/drawing/2014/main" val="20002"/>
+                      <a16:colId xmlns:a16="http://schemas.microsoft.com/office/drawing/2014/main" xmlns="" val="20002"/>
                     </a:ext>
                   </a:extLst>
                 </a:gridCol>
@@ -36098,7 +36098,7 @@
                 </a:tc>
                 <a:extLst>
                   <a:ext uri="{0D108BD9-81ED-4DB2-BD59-A6C34878D82A}">
-                    <a16:rowId xmlns:a16="http://schemas.microsoft.com/office/drawing/2014/main" val="10000"/>
+                    <a16:rowId xmlns:a16="http://schemas.microsoft.com/office/drawing/2014/main" xmlns="" val="10000"/>
                   </a:ext>
                 </a:extLst>
               </a:tr>
@@ -36214,7 +36214,7 @@
                 </a:tc>
                 <a:extLst>
                   <a:ext uri="{0D108BD9-81ED-4DB2-BD59-A6C34878D82A}">
-                    <a16:rowId xmlns:a16="http://schemas.microsoft.com/office/drawing/2014/main" val="10001"/>
+                    <a16:rowId xmlns:a16="http://schemas.microsoft.com/office/drawing/2014/main" xmlns="" val="10001"/>
                   </a:ext>
                 </a:extLst>
               </a:tr>
@@ -36301,7 +36301,7 @@
                 </a:tc>
                 <a:extLst>
                   <a:ext uri="{0D108BD9-81ED-4DB2-BD59-A6C34878D82A}">
-                    <a16:rowId xmlns:a16="http://schemas.microsoft.com/office/drawing/2014/main" val="10002"/>
+                    <a16:rowId xmlns:a16="http://schemas.microsoft.com/office/drawing/2014/main" xmlns="" val="10002"/>
                   </a:ext>
                 </a:extLst>
               </a:tr>

--- a/Freshman_Train_RFID.pptx
+++ b/Freshman_Train_RFID.pptx
@@ -300,7 +300,7 @@
           <a:p>
             <a:fld id="{D417A10C-87C9-49E5-AE05-110105D8C539}" type="datetimeFigureOut">
               <a:rPr lang="zh-TW" altLang="en-US" smtClean="0"/>
-              <a:t>2018/8/12</a:t>
+              <a:t>2018/8/14</a:t>
             </a:fld>
             <a:endParaRPr lang="zh-TW" altLang="en-US"/>
           </a:p>
@@ -4947,9 +4947,58 @@
             </a:r>
             <a:r>
               <a:rPr lang="zh-TW" altLang="en-US" dirty="0" smtClean="0"/>
-              <a:t> 使用物件及特性</a:t>
-            </a:r>
-            <a:endParaRPr lang="zh-TW" altLang="en-US" dirty="0"/>
+              <a:t> 使用物件及</a:t>
+            </a:r>
+            <a:r>
+              <a:rPr lang="zh-TW" altLang="en-US" dirty="0" smtClean="0"/>
+              <a:t>特性</a:t>
+            </a:r>
+            <a:endParaRPr lang="en-US" altLang="zh-TW" dirty="0" smtClean="0"/>
+          </a:p>
+          <a:p>
+            <a:pPr marL="0" marR="0" indent="0" algn="l" defTabSz="914400" rtl="0" eaLnBrk="1" fontAlgn="auto" latinLnBrk="0" hangingPunct="1">
+              <a:lnSpc>
+                <a:spcPct val="100000"/>
+              </a:lnSpc>
+              <a:spcBef>
+                <a:spcPts val="0"/>
+              </a:spcBef>
+              <a:spcAft>
+                <a:spcPts val="0"/>
+              </a:spcAft>
+              <a:buClrTx/>
+              <a:buSzTx/>
+              <a:buFontTx/>
+              <a:buNone/>
+              <a:tabLst/>
+              <a:defRPr/>
+            </a:pPr>
+            <a:r>
+              <a:rPr lang="en-US" altLang="zh-TW" smtClean="0"/>
+              <a:t>FCC : </a:t>
+            </a:r>
+            <a:r>
+              <a:rPr lang="en-US" altLang="zh-TW" sz="1200" b="0" i="0" u="sng" kern="1200" smtClean="0">
+                <a:solidFill>
+                  <a:schemeClr val="tx1"/>
+                </a:solidFill>
+                <a:effectLst/>
+                <a:latin typeface="+mn-lt"/>
+                <a:ea typeface="+mn-ea"/>
+                <a:cs typeface="+mn-cs"/>
+                <a:hlinkClick r:id="rId3"/>
+              </a:rPr>
+              <a:t>Federal Communications Commission</a:t>
+            </a:r>
+            <a:endParaRPr lang="en-US" altLang="zh-TW" sz="1200" b="0" i="0" kern="1200" smtClean="0">
+              <a:solidFill>
+                <a:schemeClr val="tx1"/>
+              </a:solidFill>
+              <a:effectLst/>
+              <a:latin typeface="+mn-lt"/>
+              <a:ea typeface="+mn-ea"/>
+              <a:cs typeface="+mn-cs"/>
+            </a:endParaRPr>
           </a:p>
         </p:txBody>
       </p:sp>
@@ -5485,7 +5534,7 @@
           <p:cNvPr id="20" name="Group 19">
             <a:extLst>
               <a:ext uri="{FF2B5EF4-FFF2-40B4-BE49-F238E27FC236}">
-                <a16:creationId xmlns:a16="http://schemas.microsoft.com/office/drawing/2014/main" xmlns="" id="{C3ED851A-5624-9445-94A3-FC256390EFF0}"/>
+                <a16:creationId xmlns="" xmlns:a16="http://schemas.microsoft.com/office/drawing/2014/main" id="{C3ED851A-5624-9445-94A3-FC256390EFF0}"/>
               </a:ext>
             </a:extLst>
           </p:cNvPr>
@@ -5505,7 +5554,7 @@
             <p:cNvPr id="21" name="箭號: 五邊形 12">
               <a:extLst>
                 <a:ext uri="{FF2B5EF4-FFF2-40B4-BE49-F238E27FC236}">
-                  <a16:creationId xmlns:a16="http://schemas.microsoft.com/office/drawing/2014/main" xmlns="" id="{7DED8486-E1FD-814E-B2DE-F488A3CEA671}"/>
+                  <a16:creationId xmlns="" xmlns:a16="http://schemas.microsoft.com/office/drawing/2014/main" id="{7DED8486-E1FD-814E-B2DE-F488A3CEA671}"/>
                 </a:ext>
               </a:extLst>
             </p:cNvPr>
@@ -5557,7 +5606,7 @@
             <p:cNvPr id="23" name="箭號: 五邊形 12">
               <a:extLst>
                 <a:ext uri="{FF2B5EF4-FFF2-40B4-BE49-F238E27FC236}">
-                  <a16:creationId xmlns:a16="http://schemas.microsoft.com/office/drawing/2014/main" xmlns="" id="{8C392F49-5181-FA4B-9412-A387B34C316C}"/>
+                  <a16:creationId xmlns="" xmlns:a16="http://schemas.microsoft.com/office/drawing/2014/main" id="{8C392F49-5181-FA4B-9412-A387B34C316C}"/>
                 </a:ext>
               </a:extLst>
             </p:cNvPr>
@@ -5616,7 +5665,7 @@
             <p:cNvPr id="26" name="箭號: 五邊形 12">
               <a:extLst>
                 <a:ext uri="{FF2B5EF4-FFF2-40B4-BE49-F238E27FC236}">
-                  <a16:creationId xmlns:a16="http://schemas.microsoft.com/office/drawing/2014/main" xmlns="" id="{A2A2AEE9-8884-2D45-AA3A-3CE8B669A441}"/>
+                  <a16:creationId xmlns="" xmlns:a16="http://schemas.microsoft.com/office/drawing/2014/main" id="{A2A2AEE9-8884-2D45-AA3A-3CE8B669A441}"/>
                 </a:ext>
               </a:extLst>
             </p:cNvPr>
@@ -6045,7 +6094,7 @@
           <p:cNvPr id="34" name="Text Placeholder 3">
             <a:extLst>
               <a:ext uri="{FF2B5EF4-FFF2-40B4-BE49-F238E27FC236}">
-                <a16:creationId xmlns:a16="http://schemas.microsoft.com/office/drawing/2014/main" xmlns="" id="{CB4F27FF-A5B2-0945-A886-8994C9CF0F9A}"/>
+                <a16:creationId xmlns="" xmlns:a16="http://schemas.microsoft.com/office/drawing/2014/main" id="{CB4F27FF-A5B2-0945-A886-8994C9CF0F9A}"/>
               </a:ext>
             </a:extLst>
           </p:cNvPr>
@@ -6099,7 +6148,7 @@
           <p:cNvPr id="35" name="Content Placeholder 5">
             <a:extLst>
               <a:ext uri="{FF2B5EF4-FFF2-40B4-BE49-F238E27FC236}">
-                <a16:creationId xmlns:a16="http://schemas.microsoft.com/office/drawing/2014/main" xmlns="" id="{1CE5651F-F4F6-9D45-A553-66B6FFCA522B}"/>
+                <a16:creationId xmlns="" xmlns:a16="http://schemas.microsoft.com/office/drawing/2014/main" id="{1CE5651F-F4F6-9D45-A553-66B6FFCA522B}"/>
               </a:ext>
             </a:extLst>
           </p:cNvPr>
@@ -6147,7 +6196,7 @@
           <p:cNvPr id="6" name="Picture 5">
             <a:extLst>
               <a:ext uri="{FF2B5EF4-FFF2-40B4-BE49-F238E27FC236}">
-                <a16:creationId xmlns:a16="http://schemas.microsoft.com/office/drawing/2014/main" xmlns="" id="{5BB22815-3E3B-0B48-9DCA-B05C2D5B9D70}"/>
+                <a16:creationId xmlns="" xmlns:a16="http://schemas.microsoft.com/office/drawing/2014/main" id="{5BB22815-3E3B-0B48-9DCA-B05C2D5B9D70}"/>
               </a:ext>
             </a:extLst>
           </p:cNvPr>
@@ -7249,7 +7298,7 @@
           <p:cNvPr id="15" name="直排文字版面配置區 2">
             <a:extLst>
               <a:ext uri="{FF2B5EF4-FFF2-40B4-BE49-F238E27FC236}">
-                <a16:creationId xmlns:a16="http://schemas.microsoft.com/office/drawing/2014/main" xmlns="" id="{5B0754CD-A593-D647-8F43-33A88CDADB61}"/>
+                <a16:creationId xmlns="" xmlns:a16="http://schemas.microsoft.com/office/drawing/2014/main" id="{5B0754CD-A593-D647-8F43-33A88CDADB61}"/>
               </a:ext>
             </a:extLst>
           </p:cNvPr>
@@ -7459,7 +7508,7 @@
           <p:cNvPr id="20" name="Group 19">
             <a:extLst>
               <a:ext uri="{FF2B5EF4-FFF2-40B4-BE49-F238E27FC236}">
-                <a16:creationId xmlns:a16="http://schemas.microsoft.com/office/drawing/2014/main" xmlns="" id="{C3ED851A-5624-9445-94A3-FC256390EFF0}"/>
+                <a16:creationId xmlns="" xmlns:a16="http://schemas.microsoft.com/office/drawing/2014/main" id="{C3ED851A-5624-9445-94A3-FC256390EFF0}"/>
               </a:ext>
             </a:extLst>
           </p:cNvPr>
@@ -7479,7 +7528,7 @@
             <p:cNvPr id="21" name="箭號: 五邊形 12">
               <a:extLst>
                 <a:ext uri="{FF2B5EF4-FFF2-40B4-BE49-F238E27FC236}">
-                  <a16:creationId xmlns:a16="http://schemas.microsoft.com/office/drawing/2014/main" xmlns="" id="{7DED8486-E1FD-814E-B2DE-F488A3CEA671}"/>
+                  <a16:creationId xmlns="" xmlns:a16="http://schemas.microsoft.com/office/drawing/2014/main" id="{7DED8486-E1FD-814E-B2DE-F488A3CEA671}"/>
                 </a:ext>
               </a:extLst>
             </p:cNvPr>
@@ -7531,7 +7580,7 @@
             <p:cNvPr id="23" name="箭號: 五邊形 12">
               <a:extLst>
                 <a:ext uri="{FF2B5EF4-FFF2-40B4-BE49-F238E27FC236}">
-                  <a16:creationId xmlns:a16="http://schemas.microsoft.com/office/drawing/2014/main" xmlns="" id="{8C392F49-5181-FA4B-9412-A387B34C316C}"/>
+                  <a16:creationId xmlns="" xmlns:a16="http://schemas.microsoft.com/office/drawing/2014/main" id="{8C392F49-5181-FA4B-9412-A387B34C316C}"/>
                 </a:ext>
               </a:extLst>
             </p:cNvPr>
@@ -7590,7 +7639,7 @@
             <p:cNvPr id="26" name="箭號: 五邊形 12">
               <a:extLst>
                 <a:ext uri="{FF2B5EF4-FFF2-40B4-BE49-F238E27FC236}">
-                  <a16:creationId xmlns:a16="http://schemas.microsoft.com/office/drawing/2014/main" xmlns="" id="{A2A2AEE9-8884-2D45-AA3A-3CE8B669A441}"/>
+                  <a16:creationId xmlns="" xmlns:a16="http://schemas.microsoft.com/office/drawing/2014/main" id="{A2A2AEE9-8884-2D45-AA3A-3CE8B669A441}"/>
                 </a:ext>
               </a:extLst>
             </p:cNvPr>
@@ -8019,7 +8068,7 @@
           <p:cNvPr id="34" name="Text Placeholder 3">
             <a:extLst>
               <a:ext uri="{FF2B5EF4-FFF2-40B4-BE49-F238E27FC236}">
-                <a16:creationId xmlns:a16="http://schemas.microsoft.com/office/drawing/2014/main" xmlns="" id="{CB4F27FF-A5B2-0945-A886-8994C9CF0F9A}"/>
+                <a16:creationId xmlns="" xmlns:a16="http://schemas.microsoft.com/office/drawing/2014/main" id="{CB4F27FF-A5B2-0945-A886-8994C9CF0F9A}"/>
               </a:ext>
             </a:extLst>
           </p:cNvPr>
@@ -8073,7 +8122,7 @@
           <p:cNvPr id="35" name="Content Placeholder 5">
             <a:extLst>
               <a:ext uri="{FF2B5EF4-FFF2-40B4-BE49-F238E27FC236}">
-                <a16:creationId xmlns:a16="http://schemas.microsoft.com/office/drawing/2014/main" xmlns="" id="{1CE5651F-F4F6-9D45-A553-66B6FFCA522B}"/>
+                <a16:creationId xmlns="" xmlns:a16="http://schemas.microsoft.com/office/drawing/2014/main" id="{1CE5651F-F4F6-9D45-A553-66B6FFCA522B}"/>
               </a:ext>
             </a:extLst>
           </p:cNvPr>
@@ -8121,7 +8170,7 @@
           <p:cNvPr id="6" name="Picture 5">
             <a:extLst>
               <a:ext uri="{FF2B5EF4-FFF2-40B4-BE49-F238E27FC236}">
-                <a16:creationId xmlns:a16="http://schemas.microsoft.com/office/drawing/2014/main" xmlns="" id="{5BB22815-3E3B-0B48-9DCA-B05C2D5B9D70}"/>
+                <a16:creationId xmlns="" xmlns:a16="http://schemas.microsoft.com/office/drawing/2014/main" id="{5BB22815-3E3B-0B48-9DCA-B05C2D5B9D70}"/>
               </a:ext>
             </a:extLst>
           </p:cNvPr>
@@ -8833,7 +8882,7 @@
           <p:cNvPr id="12" name="Group 11">
             <a:extLst>
               <a:ext uri="{FF2B5EF4-FFF2-40B4-BE49-F238E27FC236}">
-                <a16:creationId xmlns:a16="http://schemas.microsoft.com/office/drawing/2014/main" xmlns="" id="{FECCA331-FFA6-F840-9C60-BF25ACF3BDB5}"/>
+                <a16:creationId xmlns="" xmlns:a16="http://schemas.microsoft.com/office/drawing/2014/main" id="{FECCA331-FFA6-F840-9C60-BF25ACF3BDB5}"/>
               </a:ext>
             </a:extLst>
           </p:cNvPr>
@@ -8853,7 +8902,7 @@
             <p:cNvPr id="13" name="箭號: 五邊形 12">
               <a:extLst>
                 <a:ext uri="{FF2B5EF4-FFF2-40B4-BE49-F238E27FC236}">
-                  <a16:creationId xmlns:a16="http://schemas.microsoft.com/office/drawing/2014/main" xmlns="" id="{1ECC6466-4EFD-5345-BC17-67AB57731DB7}"/>
+                  <a16:creationId xmlns="" xmlns:a16="http://schemas.microsoft.com/office/drawing/2014/main" id="{1ECC6466-4EFD-5345-BC17-67AB57731DB7}"/>
                 </a:ext>
               </a:extLst>
             </p:cNvPr>
@@ -8905,7 +8954,7 @@
             <p:cNvPr id="14" name="箭號: 五邊形 12">
               <a:extLst>
                 <a:ext uri="{FF2B5EF4-FFF2-40B4-BE49-F238E27FC236}">
-                  <a16:creationId xmlns:a16="http://schemas.microsoft.com/office/drawing/2014/main" xmlns="" id="{6CF55724-0A99-E64A-AB4C-0938CB62E153}"/>
+                  <a16:creationId xmlns="" xmlns:a16="http://schemas.microsoft.com/office/drawing/2014/main" id="{6CF55724-0A99-E64A-AB4C-0938CB62E153}"/>
                 </a:ext>
               </a:extLst>
             </p:cNvPr>
@@ -8964,7 +9013,7 @@
             <p:cNvPr id="15" name="箭號: 五邊形 12">
               <a:extLst>
                 <a:ext uri="{FF2B5EF4-FFF2-40B4-BE49-F238E27FC236}">
-                  <a16:creationId xmlns:a16="http://schemas.microsoft.com/office/drawing/2014/main" xmlns="" id="{D65D1FB8-4CF4-8B4A-A307-6F7F618C0D88}"/>
+                  <a16:creationId xmlns="" xmlns:a16="http://schemas.microsoft.com/office/drawing/2014/main" id="{D65D1FB8-4CF4-8B4A-A307-6F7F618C0D88}"/>
                 </a:ext>
               </a:extLst>
             </p:cNvPr>
@@ -9273,7 +9322,7 @@
           <p:cNvPr id="5" name="Picture 4">
             <a:extLst>
               <a:ext uri="{FF2B5EF4-FFF2-40B4-BE49-F238E27FC236}">
-                <a16:creationId xmlns:a16="http://schemas.microsoft.com/office/drawing/2014/main" xmlns="" id="{33C27645-19DC-4542-810A-E94761D6E227}"/>
+                <a16:creationId xmlns="" xmlns:a16="http://schemas.microsoft.com/office/drawing/2014/main" id="{33C27645-19DC-4542-810A-E94761D6E227}"/>
               </a:ext>
             </a:extLst>
           </p:cNvPr>
@@ -9772,7 +9821,7 @@
           <p:cNvPr id="23" name="內容版面配置區 2">
             <a:extLst>
               <a:ext uri="{FF2B5EF4-FFF2-40B4-BE49-F238E27FC236}">
-                <a16:creationId xmlns:a16="http://schemas.microsoft.com/office/drawing/2014/main" xmlns="" id="{9D1178A4-A62F-AE47-B4FD-DFBDEBC0B7E1}"/>
+                <a16:creationId xmlns="" xmlns:a16="http://schemas.microsoft.com/office/drawing/2014/main" id="{9D1178A4-A62F-AE47-B4FD-DFBDEBC0B7E1}"/>
               </a:ext>
             </a:extLst>
           </p:cNvPr>
@@ -9919,7 +9968,7 @@
           <p:cNvPr id="24" name="內容版面配置區 2">
             <a:extLst>
               <a:ext uri="{FF2B5EF4-FFF2-40B4-BE49-F238E27FC236}">
-                <a16:creationId xmlns:a16="http://schemas.microsoft.com/office/drawing/2014/main" xmlns="" id="{18BDE748-AF06-9848-B53D-40087470A386}"/>
+                <a16:creationId xmlns="" xmlns:a16="http://schemas.microsoft.com/office/drawing/2014/main" id="{18BDE748-AF06-9848-B53D-40087470A386}"/>
               </a:ext>
             </a:extLst>
           </p:cNvPr>
@@ -10670,7 +10719,7 @@
           <p:cNvPr id="20" name="內容版面配置區 2">
             <a:extLst>
               <a:ext uri="{FF2B5EF4-FFF2-40B4-BE49-F238E27FC236}">
-                <a16:creationId xmlns:a16="http://schemas.microsoft.com/office/drawing/2014/main" xmlns="" id="{9A4A12A5-18A4-CA4A-8E68-97EAFD19927B}"/>
+                <a16:creationId xmlns="" xmlns:a16="http://schemas.microsoft.com/office/drawing/2014/main" id="{9A4A12A5-18A4-CA4A-8E68-97EAFD19927B}"/>
               </a:ext>
             </a:extLst>
           </p:cNvPr>
@@ -10817,7 +10866,7 @@
           <p:cNvPr id="21" name="內容版面配置區 2">
             <a:extLst>
               <a:ext uri="{FF2B5EF4-FFF2-40B4-BE49-F238E27FC236}">
-                <a16:creationId xmlns:a16="http://schemas.microsoft.com/office/drawing/2014/main" xmlns="" id="{E09B3CAD-22B9-BC48-9D7D-2345FF14DD38}"/>
+                <a16:creationId xmlns="" xmlns:a16="http://schemas.microsoft.com/office/drawing/2014/main" id="{E09B3CAD-22B9-BC48-9D7D-2345FF14DD38}"/>
               </a:ext>
             </a:extLst>
           </p:cNvPr>
@@ -11734,7 +11783,7 @@
           <p:cNvPr id="5" name="Group 4">
             <a:extLst>
               <a:ext uri="{FF2B5EF4-FFF2-40B4-BE49-F238E27FC236}">
-                <a16:creationId xmlns:a16="http://schemas.microsoft.com/office/drawing/2014/main" xmlns="" id="{4DADA6C2-E637-F642-95E5-0309E3EB9F41}"/>
+                <a16:creationId xmlns="" xmlns:a16="http://schemas.microsoft.com/office/drawing/2014/main" id="{4DADA6C2-E637-F642-95E5-0309E3EB9F41}"/>
               </a:ext>
             </a:extLst>
           </p:cNvPr>
@@ -11754,7 +11803,7 @@
             <p:cNvPr id="17" name="箭號: 五邊形 12">
               <a:extLst>
                 <a:ext uri="{FF2B5EF4-FFF2-40B4-BE49-F238E27FC236}">
-                  <a16:creationId xmlns:a16="http://schemas.microsoft.com/office/drawing/2014/main" xmlns="" id="{C3424005-2947-5749-B94D-7EE01D59B97D}"/>
+                  <a16:creationId xmlns="" xmlns:a16="http://schemas.microsoft.com/office/drawing/2014/main" id="{C3424005-2947-5749-B94D-7EE01D59B97D}"/>
                 </a:ext>
               </a:extLst>
             </p:cNvPr>
@@ -11806,7 +11855,7 @@
             <p:cNvPr id="16" name="箭號: 五邊形 12">
               <a:extLst>
                 <a:ext uri="{FF2B5EF4-FFF2-40B4-BE49-F238E27FC236}">
-                  <a16:creationId xmlns:a16="http://schemas.microsoft.com/office/drawing/2014/main" xmlns="" id="{78B68587-E393-9C46-A4CA-137BCC2B13AD}"/>
+                  <a16:creationId xmlns="" xmlns:a16="http://schemas.microsoft.com/office/drawing/2014/main" id="{78B68587-E393-9C46-A4CA-137BCC2B13AD}"/>
                 </a:ext>
               </a:extLst>
             </p:cNvPr>
@@ -12274,7 +12323,7 @@
           <p:cNvPr id="18" name="內容版面配置區 2">
             <a:extLst>
               <a:ext uri="{FF2B5EF4-FFF2-40B4-BE49-F238E27FC236}">
-                <a16:creationId xmlns:a16="http://schemas.microsoft.com/office/drawing/2014/main" xmlns="" id="{BB9680E6-3D9F-FF42-BA19-F206A773FE60}"/>
+                <a16:creationId xmlns="" xmlns:a16="http://schemas.microsoft.com/office/drawing/2014/main" id="{BB9680E6-3D9F-FF42-BA19-F206A773FE60}"/>
               </a:ext>
             </a:extLst>
           </p:cNvPr>
@@ -12459,7 +12508,7 @@
           <p:cNvPr id="15" name="Group 14">
             <a:extLst>
               <a:ext uri="{FF2B5EF4-FFF2-40B4-BE49-F238E27FC236}">
-                <a16:creationId xmlns:a16="http://schemas.microsoft.com/office/drawing/2014/main" xmlns="" id="{7108562A-19D8-3347-A5CB-8FD2094D2AC6}"/>
+                <a16:creationId xmlns="" xmlns:a16="http://schemas.microsoft.com/office/drawing/2014/main" id="{7108562A-19D8-3347-A5CB-8FD2094D2AC6}"/>
               </a:ext>
             </a:extLst>
           </p:cNvPr>
@@ -12479,7 +12528,7 @@
             <p:cNvPr id="16" name="箭號: 五邊形 12">
               <a:extLst>
                 <a:ext uri="{FF2B5EF4-FFF2-40B4-BE49-F238E27FC236}">
-                  <a16:creationId xmlns:a16="http://schemas.microsoft.com/office/drawing/2014/main" xmlns="" id="{0350FA7D-8512-F24E-9F36-7F4296D197F2}"/>
+                  <a16:creationId xmlns="" xmlns:a16="http://schemas.microsoft.com/office/drawing/2014/main" id="{0350FA7D-8512-F24E-9F36-7F4296D197F2}"/>
                 </a:ext>
               </a:extLst>
             </p:cNvPr>
@@ -12531,7 +12580,7 @@
             <p:cNvPr id="17" name="箭號: 五邊形 12">
               <a:extLst>
                 <a:ext uri="{FF2B5EF4-FFF2-40B4-BE49-F238E27FC236}">
-                  <a16:creationId xmlns:a16="http://schemas.microsoft.com/office/drawing/2014/main" xmlns="" id="{125DE2BA-1E8B-2447-AEBE-4BDB2873316E}"/>
+                  <a16:creationId xmlns="" xmlns:a16="http://schemas.microsoft.com/office/drawing/2014/main" id="{125DE2BA-1E8B-2447-AEBE-4BDB2873316E}"/>
                 </a:ext>
               </a:extLst>
             </p:cNvPr>
@@ -12590,7 +12639,7 @@
             <p:cNvPr id="18" name="箭號: 五邊形 12">
               <a:extLst>
                 <a:ext uri="{FF2B5EF4-FFF2-40B4-BE49-F238E27FC236}">
-                  <a16:creationId xmlns:a16="http://schemas.microsoft.com/office/drawing/2014/main" xmlns="" id="{467877CF-B77C-BE4F-8D6F-89063BBFC3DE}"/>
+                  <a16:creationId xmlns="" xmlns:a16="http://schemas.microsoft.com/office/drawing/2014/main" id="{467877CF-B77C-BE4F-8D6F-89063BBFC3DE}"/>
                 </a:ext>
               </a:extLst>
             </p:cNvPr>
@@ -12953,7 +13002,7 @@
           <p:cNvPr id="22" name="標題 1">
             <a:extLst>
               <a:ext uri="{FF2B5EF4-FFF2-40B4-BE49-F238E27FC236}">
-                <a16:creationId xmlns:a16="http://schemas.microsoft.com/office/drawing/2014/main" xmlns="" id="{6E193196-9107-784C-A964-C67153D060CB}"/>
+                <a16:creationId xmlns="" xmlns:a16="http://schemas.microsoft.com/office/drawing/2014/main" id="{6E193196-9107-784C-A964-C67153D060CB}"/>
               </a:ext>
             </a:extLst>
           </p:cNvPr>
@@ -12996,7 +13045,7 @@
           <p:cNvPr id="24" name="文字版面配置區 3">
             <a:extLst>
               <a:ext uri="{FF2B5EF4-FFF2-40B4-BE49-F238E27FC236}">
-                <a16:creationId xmlns:a16="http://schemas.microsoft.com/office/drawing/2014/main" xmlns="" id="{5922BEEB-F3AC-E443-B34D-CE264A982284}"/>
+                <a16:creationId xmlns="" xmlns:a16="http://schemas.microsoft.com/office/drawing/2014/main" id="{5922BEEB-F3AC-E443-B34D-CE264A982284}"/>
               </a:ext>
             </a:extLst>
           </p:cNvPr>
@@ -27623,35 +27672,35 @@
                 <a:gridCol w="2331963">
                   <a:extLst>
                     <a:ext uri="{9D8B030D-6E8A-4147-A177-3AD203B41FA5}">
-                      <a16:colId xmlns:a16="http://schemas.microsoft.com/office/drawing/2014/main" xmlns="" val="20000"/>
+                      <a16:colId xmlns="" xmlns:a16="http://schemas.microsoft.com/office/drawing/2014/main" val="20000"/>
                     </a:ext>
                   </a:extLst>
                 </a:gridCol>
                 <a:gridCol w="2331963">
                   <a:extLst>
                     <a:ext uri="{9D8B030D-6E8A-4147-A177-3AD203B41FA5}">
-                      <a16:colId xmlns:a16="http://schemas.microsoft.com/office/drawing/2014/main" xmlns="" val="20001"/>
+                      <a16:colId xmlns="" xmlns:a16="http://schemas.microsoft.com/office/drawing/2014/main" val="20001"/>
                     </a:ext>
                   </a:extLst>
                 </a:gridCol>
                 <a:gridCol w="2331963">
                   <a:extLst>
                     <a:ext uri="{9D8B030D-6E8A-4147-A177-3AD203B41FA5}">
-                      <a16:colId xmlns:a16="http://schemas.microsoft.com/office/drawing/2014/main" xmlns="" val="20002"/>
+                      <a16:colId xmlns="" xmlns:a16="http://schemas.microsoft.com/office/drawing/2014/main" val="20002"/>
                     </a:ext>
                   </a:extLst>
                 </a:gridCol>
                 <a:gridCol w="2331963">
                   <a:extLst>
                     <a:ext uri="{9D8B030D-6E8A-4147-A177-3AD203B41FA5}">
-                      <a16:colId xmlns:a16="http://schemas.microsoft.com/office/drawing/2014/main" xmlns="" val="20003"/>
+                      <a16:colId xmlns="" xmlns:a16="http://schemas.microsoft.com/office/drawing/2014/main" val="20003"/>
                     </a:ext>
                   </a:extLst>
                 </a:gridCol>
                 <a:gridCol w="2331963">
                   <a:extLst>
                     <a:ext uri="{9D8B030D-6E8A-4147-A177-3AD203B41FA5}">
-                      <a16:colId xmlns:a16="http://schemas.microsoft.com/office/drawing/2014/main" xmlns="" val="20004"/>
+                      <a16:colId xmlns="" xmlns:a16="http://schemas.microsoft.com/office/drawing/2014/main" val="20004"/>
                     </a:ext>
                   </a:extLst>
                 </a:gridCol>
@@ -28569,7 +28618,7 @@
                 </a:tc>
                 <a:extLst>
                   <a:ext uri="{0D108BD9-81ED-4DB2-BD59-A6C34878D82A}">
-                    <a16:rowId xmlns:a16="http://schemas.microsoft.com/office/drawing/2014/main" xmlns="" val="10000"/>
+                    <a16:rowId xmlns="" xmlns:a16="http://schemas.microsoft.com/office/drawing/2014/main" val="10000"/>
                   </a:ext>
                 </a:extLst>
               </a:tr>
@@ -29519,7 +29568,7 @@
                 </a:tc>
                 <a:extLst>
                   <a:ext uri="{0D108BD9-81ED-4DB2-BD59-A6C34878D82A}">
-                    <a16:rowId xmlns:a16="http://schemas.microsoft.com/office/drawing/2014/main" xmlns="" val="10001"/>
+                    <a16:rowId xmlns="" xmlns:a16="http://schemas.microsoft.com/office/drawing/2014/main" val="10001"/>
                   </a:ext>
                 </a:extLst>
               </a:tr>
@@ -30502,7 +30551,7 @@
                 </a:tc>
                 <a:extLst>
                   <a:ext uri="{0D108BD9-81ED-4DB2-BD59-A6C34878D82A}">
-                    <a16:rowId xmlns:a16="http://schemas.microsoft.com/office/drawing/2014/main" xmlns="" val="10002"/>
+                    <a16:rowId xmlns="" xmlns:a16="http://schemas.microsoft.com/office/drawing/2014/main" val="10002"/>
                   </a:ext>
                 </a:extLst>
               </a:tr>
@@ -31452,7 +31501,7 @@
                 </a:tc>
                 <a:extLst>
                   <a:ext uri="{0D108BD9-81ED-4DB2-BD59-A6C34878D82A}">
-                    <a16:rowId xmlns:a16="http://schemas.microsoft.com/office/drawing/2014/main" xmlns="" val="10003"/>
+                    <a16:rowId xmlns="" xmlns:a16="http://schemas.microsoft.com/office/drawing/2014/main" val="10003"/>
                   </a:ext>
                 </a:extLst>
               </a:tr>
@@ -32402,7 +32451,7 @@
                 </a:tc>
                 <a:extLst>
                   <a:ext uri="{0D108BD9-81ED-4DB2-BD59-A6C34878D82A}">
-                    <a16:rowId xmlns:a16="http://schemas.microsoft.com/office/drawing/2014/main" xmlns="" val="10004"/>
+                    <a16:rowId xmlns="" xmlns:a16="http://schemas.microsoft.com/office/drawing/2014/main" val="10004"/>
                   </a:ext>
                 </a:extLst>
               </a:tr>
@@ -33034,35 +33083,40 @@
                     <a:pPr algn="ctr"/>
                     <a:r>
                       <a:rPr lang="en-US" altLang="zh-TW" sz="2800" dirty="0">
-                        <a:latin typeface="標楷體" charset="-120"/>
-                        <a:ea typeface="標楷體" charset="-120"/>
+                        <a:latin typeface="Times New Roman" charset="0"/>
+                        <a:ea typeface="Times New Roman" charset="0"/>
+                        <a:cs typeface="Times New Roman" charset="0"/>
                       </a:rPr>
                       <a:t>FCC</a:t>
                     </a:r>
                     <a:r>
                       <a:rPr lang="zh-TW" altLang="en-US" sz="2800" dirty="0">
-                        <a:latin typeface="標楷體" charset="-120"/>
-                        <a:ea typeface="標楷體" charset="-120"/>
+                        <a:latin typeface="Times New Roman" charset="0"/>
+                        <a:ea typeface="Times New Roman" charset="0"/>
+                        <a:cs typeface="Times New Roman" charset="0"/>
                       </a:rPr>
                       <a:t>開放</a:t>
                     </a:r>
                     <a:r>
                       <a:rPr lang="en-US" altLang="zh-TW" sz="2800" dirty="0">
-                        <a:latin typeface="標楷體" charset="-120"/>
-                        <a:ea typeface="標楷體" charset="-120"/>
+                        <a:latin typeface="Times New Roman" charset="0"/>
+                        <a:ea typeface="Times New Roman" charset="0"/>
+                        <a:cs typeface="Times New Roman" charset="0"/>
                       </a:rPr>
                       <a:t>RFID</a:t>
                     </a:r>
                     <a:r>
                       <a:rPr lang="zh-TW" altLang="en-US" sz="2800" dirty="0">
-                        <a:latin typeface="標楷體" charset="-120"/>
-                        <a:ea typeface="標楷體" charset="-120"/>
+                        <a:latin typeface="Times New Roman" charset="0"/>
+                        <a:ea typeface="Times New Roman" charset="0"/>
+                        <a:cs typeface="Times New Roman" charset="0"/>
                       </a:rPr>
                       <a:t>頻段</a:t>
                     </a:r>
                     <a:endParaRPr lang="zh-TW" altLang="en-US" sz="4400" dirty="0">
-                      <a:latin typeface="標楷體" charset="-120"/>
-                      <a:ea typeface="標楷體" charset="-120"/>
+                      <a:latin typeface="Times New Roman" charset="0"/>
+                      <a:ea typeface="Times New Roman" charset="0"/>
+                      <a:cs typeface="Times New Roman" charset="0"/>
                     </a:endParaRPr>
                   </a:p>
                 </p:txBody>
@@ -33164,35 +33218,40 @@
                   <a:pPr algn="ctr"/>
                   <a:r>
                     <a:rPr lang="zh-TW" altLang="en-US" sz="2600" dirty="0">
-                      <a:latin typeface="標楷體" charset="-120"/>
-                      <a:ea typeface="標楷體" charset="-120"/>
+                      <a:latin typeface="Times New Roman" charset="0"/>
+                      <a:ea typeface="Times New Roman" charset="0"/>
+                      <a:cs typeface="Times New Roman" charset="0"/>
                     </a:rPr>
                     <a:t>中華</a:t>
                   </a:r>
                   <a:r>
                     <a:rPr lang="zh-TW" altLang="en-US" sz="2600" dirty="0" smtClean="0">
-                      <a:latin typeface="標楷體" charset="-120"/>
-                      <a:ea typeface="標楷體" charset="-120"/>
+                      <a:latin typeface="Times New Roman" charset="0"/>
+                      <a:ea typeface="Times New Roman" charset="0"/>
+                      <a:cs typeface="Times New Roman" charset="0"/>
                     </a:rPr>
                     <a:t>電信</a:t>
                   </a:r>
                   <a:endParaRPr lang="en-US" altLang="zh-TW" sz="2600" dirty="0">
-                    <a:latin typeface="標楷體" charset="-120"/>
-                    <a:ea typeface="標楷體" charset="-120"/>
+                    <a:latin typeface="Times New Roman" charset="0"/>
+                    <a:ea typeface="Times New Roman" charset="0"/>
+                    <a:cs typeface="Times New Roman" charset="0"/>
                   </a:endParaRPr>
                 </a:p>
                 <a:p>
                   <a:pPr algn="ctr"/>
                   <a:r>
                     <a:rPr lang="en-US" altLang="zh-TW" sz="2600" dirty="0" smtClean="0">
-                      <a:latin typeface="標楷體" charset="-120"/>
-                      <a:ea typeface="標楷體" charset="-120"/>
+                      <a:latin typeface="Times New Roman" charset="0"/>
+                      <a:ea typeface="Times New Roman" charset="0"/>
+                      <a:cs typeface="Times New Roman" charset="0"/>
                     </a:rPr>
                     <a:t>Up link</a:t>
                   </a:r>
                   <a:endParaRPr lang="zh-TW" altLang="en-US" sz="2600" dirty="0">
-                    <a:latin typeface="標楷體" charset="-120"/>
-                    <a:ea typeface="標楷體" charset="-120"/>
+                    <a:latin typeface="Times New Roman" charset="0"/>
+                    <a:ea typeface="Times New Roman" charset="0"/>
+                    <a:cs typeface="Times New Roman" charset="0"/>
                   </a:endParaRPr>
                 </a:p>
               </p:txBody>
@@ -33246,8 +33305,9 @@
                   <a:pPr algn="ctr"/>
                   <a:r>
                     <a:rPr lang="zh-TW" altLang="en-US" sz="2600" dirty="0">
-                      <a:latin typeface="標楷體" charset="-120"/>
-                      <a:ea typeface="標楷體" charset="-120"/>
+                      <a:latin typeface="Times New Roman" charset="0"/>
+                      <a:ea typeface="Times New Roman" charset="0"/>
+                      <a:cs typeface="Times New Roman" charset="0"/>
                     </a:rPr>
                     <a:t>中華電信</a:t>
                   </a:r>
@@ -33256,19 +33316,16 @@
                   <a:pPr algn="ctr"/>
                   <a:r>
                     <a:rPr lang="en-US" altLang="zh-TW" sz="2600" dirty="0" smtClean="0">
-                      <a:latin typeface="標楷體" charset="-120"/>
-                      <a:ea typeface="標楷體" charset="-120"/>
+                      <a:latin typeface="Times New Roman" charset="0"/>
+                      <a:ea typeface="Times New Roman" charset="0"/>
+                      <a:cs typeface="Times New Roman" charset="0"/>
                     </a:rPr>
-                    <a:t>Down link</a:t>
-                  </a:r>
-                  <a:r>
-                    <a:rPr lang="en-US" altLang="zh-TW" sz="2600" dirty="0" smtClean="0">
-                      <a:latin typeface="Times New Roman" charset="0"/>
-                    </a:rPr>
-                    <a:t> </a:t>
+                    <a:t>Down link </a:t>
                   </a:r>
                   <a:endParaRPr lang="en-US" altLang="zh-TW" sz="2600" dirty="0">
                     <a:latin typeface="Times New Roman" charset="0"/>
+                    <a:ea typeface="Times New Roman" charset="0"/>
+                    <a:cs typeface="Times New Roman" charset="0"/>
                   </a:endParaRPr>
                 </a:p>
               </p:txBody>
@@ -33326,11 +33383,15 @@
                         <a:schemeClr val="bg1"/>
                       </a:solidFill>
                       <a:latin typeface="Times New Roman" charset="0"/>
+                      <a:ea typeface="Times New Roman" charset="0"/>
+                      <a:cs typeface="Times New Roman" charset="0"/>
                     </a:rPr>
                     <a:t>RFID</a:t>
                   </a:r>
                   <a:endParaRPr lang="en-US" altLang="zh-TW" sz="2400" dirty="0">
                     <a:latin typeface="Times New Roman" charset="0"/>
+                    <a:ea typeface="Times New Roman" charset="0"/>
+                    <a:cs typeface="Times New Roman" charset="0"/>
                   </a:endParaRPr>
                 </a:p>
               </p:txBody>
@@ -34487,8 +34548,9 @@
                   <a:pPr algn="ctr"/>
                   <a:r>
                     <a:rPr lang="zh-TW" altLang="en-US" sz="2400" dirty="0">
-                      <a:latin typeface="標楷體" charset="-120"/>
-                      <a:ea typeface="標楷體" charset="-120"/>
+                      <a:latin typeface="Times New Roman" charset="0"/>
+                      <a:ea typeface="Times New Roman" charset="0"/>
+                      <a:cs typeface="Times New Roman" charset="0"/>
                     </a:rPr>
                     <a:t>遠傳</a:t>
                   </a:r>
@@ -34497,13 +34559,16 @@
                   <a:pPr algn="ctr"/>
                   <a:r>
                     <a:rPr lang="en-US" altLang="zh-TW" sz="2400" dirty="0" smtClean="0">
-                      <a:latin typeface="標楷體" charset="-120"/>
-                      <a:ea typeface="標楷體" charset="-120"/>
+                      <a:latin typeface="Times New Roman" charset="0"/>
+                      <a:ea typeface="Times New Roman" charset="0"/>
+                      <a:cs typeface="Times New Roman" charset="0"/>
                     </a:rPr>
                     <a:t>DL</a:t>
                   </a:r>
                   <a:endParaRPr lang="en-US" altLang="zh-TW" sz="2400" dirty="0">
                     <a:latin typeface="Times New Roman" charset="0"/>
+                    <a:ea typeface="Times New Roman" charset="0"/>
+                    <a:cs typeface="Times New Roman" charset="0"/>
                   </a:endParaRPr>
                 </a:p>
               </p:txBody>
@@ -34557,35 +34622,40 @@
                   <a:pPr algn="ctr"/>
                   <a:r>
                     <a:rPr lang="zh-TW" altLang="en-US" sz="2800" dirty="0">
-                      <a:latin typeface="標楷體" charset="-120"/>
-                      <a:ea typeface="標楷體" charset="-120"/>
+                      <a:latin typeface="Times New Roman" charset="0"/>
+                      <a:ea typeface="Times New Roman" charset="0"/>
+                      <a:cs typeface="Times New Roman" charset="0"/>
                     </a:rPr>
                     <a:t>遠</a:t>
                   </a:r>
                   <a:r>
                     <a:rPr lang="zh-TW" altLang="en-US" sz="2800" dirty="0" smtClean="0">
-                      <a:latin typeface="標楷體" charset="-120"/>
-                      <a:ea typeface="標楷體" charset="-120"/>
+                      <a:latin typeface="Times New Roman" charset="0"/>
+                      <a:ea typeface="Times New Roman" charset="0"/>
+                      <a:cs typeface="Times New Roman" charset="0"/>
                     </a:rPr>
                     <a:t>傳</a:t>
                   </a:r>
                   <a:endParaRPr lang="en-US" altLang="zh-TW" sz="2800" dirty="0" smtClean="0">
-                    <a:latin typeface="標楷體" charset="-120"/>
-                    <a:ea typeface="標楷體" charset="-120"/>
+                    <a:latin typeface="Times New Roman" charset="0"/>
+                    <a:ea typeface="Times New Roman" charset="0"/>
+                    <a:cs typeface="Times New Roman" charset="0"/>
                   </a:endParaRPr>
                 </a:p>
                 <a:p>
                   <a:pPr algn="ctr"/>
                   <a:r>
                     <a:rPr lang="en-US" altLang="zh-TW" sz="2800" dirty="0" smtClean="0">
-                      <a:latin typeface="標楷體" charset="-120"/>
-                      <a:ea typeface="標楷體" charset="-120"/>
+                      <a:latin typeface="Times New Roman" charset="0"/>
+                      <a:ea typeface="Times New Roman" charset="0"/>
+                      <a:cs typeface="Times New Roman" charset="0"/>
                     </a:rPr>
                     <a:t>UP</a:t>
                   </a:r>
                   <a:endParaRPr lang="zh-TW" altLang="en-US" sz="2800" dirty="0">
-                    <a:latin typeface="標楷體" charset="-120"/>
-                    <a:ea typeface="標楷體" charset="-120"/>
+                    <a:latin typeface="Times New Roman" charset="0"/>
+                    <a:ea typeface="Times New Roman" charset="0"/>
+                    <a:cs typeface="Times New Roman" charset="0"/>
                   </a:endParaRPr>
                 </a:p>
               </p:txBody>
@@ -35213,14 +35283,16 @@
                       <a:solidFill>
                         <a:srgbClr val="FF3300"/>
                       </a:solidFill>
-                      <a:latin typeface="標楷體" charset="-120"/>
-                      <a:ea typeface="標楷體" charset="-120"/>
+                      <a:latin typeface="Times New Roman" charset="0"/>
+                      <a:ea typeface="Times New Roman" charset="0"/>
+                      <a:cs typeface="Times New Roman" charset="0"/>
                     </a:rPr>
                     <a:t>增頻</a:t>
                   </a:r>
                   <a:endParaRPr lang="zh-TW" altLang="en-US" sz="2600" dirty="0">
-                    <a:latin typeface="標楷體" charset="-120"/>
-                    <a:ea typeface="標楷體" charset="-120"/>
+                    <a:latin typeface="Times New Roman" charset="0"/>
+                    <a:ea typeface="Times New Roman" charset="0"/>
+                    <a:cs typeface="Times New Roman" charset="0"/>
                   </a:endParaRPr>
                 </a:p>
               </p:txBody>
@@ -35289,14 +35361,16 @@
                       <a:solidFill>
                         <a:srgbClr val="FF3300"/>
                       </a:solidFill>
-                      <a:latin typeface="標楷體" charset="-120"/>
-                      <a:ea typeface="標楷體" charset="-120"/>
+                      <a:latin typeface="Times New Roman" charset="0"/>
+                      <a:ea typeface="Times New Roman" charset="0"/>
+                      <a:cs typeface="Times New Roman" charset="0"/>
                     </a:rPr>
                     <a:t>增頻</a:t>
                   </a:r>
                   <a:endParaRPr lang="zh-TW" altLang="en-US" sz="2600" dirty="0">
-                    <a:latin typeface="標楷體" charset="-120"/>
-                    <a:ea typeface="標楷體" charset="-120"/>
+                    <a:latin typeface="Times New Roman" charset="0"/>
+                    <a:ea typeface="Times New Roman" charset="0"/>
+                    <a:cs typeface="Times New Roman" charset="0"/>
                   </a:endParaRPr>
                 </a:p>
               </p:txBody>
@@ -35347,22 +35421,25 @@
                   <a:pPr algn="ctr" eaLnBrk="0" hangingPunct="0"/>
                   <a:r>
                     <a:rPr lang="zh-TW" altLang="en-US" sz="2800" dirty="0">
-                      <a:latin typeface="標楷體" charset="-120"/>
-                      <a:ea typeface="標楷體" charset="-120"/>
+                      <a:latin typeface="Times New Roman" charset="0"/>
+                      <a:ea typeface="Times New Roman" charset="0"/>
+                      <a:cs typeface="Times New Roman" charset="0"/>
                     </a:rPr>
                     <a:t>國內</a:t>
                   </a:r>
                   <a:r>
                     <a:rPr lang="en-US" altLang="zh-TW" sz="2800" dirty="0">
-                      <a:latin typeface="標楷體" charset="-120"/>
-                      <a:ea typeface="標楷體" charset="-120"/>
+                      <a:latin typeface="Times New Roman" charset="0"/>
+                      <a:ea typeface="Times New Roman" charset="0"/>
+                      <a:cs typeface="Times New Roman" charset="0"/>
                     </a:rPr>
                     <a:t>RFID</a:t>
                   </a:r>
                   <a:r>
                     <a:rPr lang="zh-TW" altLang="en-US" sz="2800" dirty="0">
-                      <a:latin typeface="標楷體" charset="-120"/>
-                      <a:ea typeface="標楷體" charset="-120"/>
+                      <a:latin typeface="Times New Roman" charset="0"/>
+                      <a:ea typeface="Times New Roman" charset="0"/>
+                      <a:cs typeface="Times New Roman" charset="0"/>
                     </a:rPr>
                     <a:t>頻段</a:t>
                   </a:r>
@@ -35479,21 +35556,21 @@
                 <a:gridCol w="3840559">
                   <a:extLst>
                     <a:ext uri="{9D8B030D-6E8A-4147-A177-3AD203B41FA5}">
-                      <a16:colId xmlns:a16="http://schemas.microsoft.com/office/drawing/2014/main" xmlns="" val="20000"/>
+                      <a16:colId xmlns="" xmlns:a16="http://schemas.microsoft.com/office/drawing/2014/main" val="20000"/>
                     </a:ext>
                   </a:extLst>
                 </a:gridCol>
                 <a:gridCol w="3840559">
                   <a:extLst>
                     <a:ext uri="{9D8B030D-6E8A-4147-A177-3AD203B41FA5}">
-                      <a16:colId xmlns:a16="http://schemas.microsoft.com/office/drawing/2014/main" xmlns="" val="20001"/>
+                      <a16:colId xmlns="" xmlns:a16="http://schemas.microsoft.com/office/drawing/2014/main" val="20001"/>
                     </a:ext>
                   </a:extLst>
                 </a:gridCol>
                 <a:gridCol w="3840559">
                   <a:extLst>
                     <a:ext uri="{9D8B030D-6E8A-4147-A177-3AD203B41FA5}">
-                      <a16:colId xmlns:a16="http://schemas.microsoft.com/office/drawing/2014/main" xmlns="" val="20002"/>
+                      <a16:colId xmlns="" xmlns:a16="http://schemas.microsoft.com/office/drawing/2014/main" val="20002"/>
                     </a:ext>
                   </a:extLst>
                 </a:gridCol>
@@ -35599,7 +35676,7 @@
                 </a:tc>
                 <a:extLst>
                   <a:ext uri="{0D108BD9-81ED-4DB2-BD59-A6C34878D82A}">
-                    <a16:rowId xmlns:a16="http://schemas.microsoft.com/office/drawing/2014/main" xmlns="" val="10000"/>
+                    <a16:rowId xmlns="" xmlns:a16="http://schemas.microsoft.com/office/drawing/2014/main" val="10000"/>
                   </a:ext>
                 </a:extLst>
               </a:tr>
@@ -35694,7 +35771,7 @@
                 </a:tc>
                 <a:extLst>
                   <a:ext uri="{0D108BD9-81ED-4DB2-BD59-A6C34878D82A}">
-                    <a16:rowId xmlns:a16="http://schemas.microsoft.com/office/drawing/2014/main" xmlns="" val="10001"/>
+                    <a16:rowId xmlns="" xmlns:a16="http://schemas.microsoft.com/office/drawing/2014/main" val="10001"/>
                   </a:ext>
                 </a:extLst>
               </a:tr>
@@ -35781,7 +35858,7 @@
                 </a:tc>
                 <a:extLst>
                   <a:ext uri="{0D108BD9-81ED-4DB2-BD59-A6C34878D82A}">
-                    <a16:rowId xmlns:a16="http://schemas.microsoft.com/office/drawing/2014/main" xmlns="" val="10002"/>
+                    <a16:rowId xmlns="" xmlns:a16="http://schemas.microsoft.com/office/drawing/2014/main" val="10002"/>
                   </a:ext>
                 </a:extLst>
               </a:tr>
@@ -35978,21 +36055,21 @@
                 <a:gridCol w="3840559">
                   <a:extLst>
                     <a:ext uri="{9D8B030D-6E8A-4147-A177-3AD203B41FA5}">
-                      <a16:colId xmlns:a16="http://schemas.microsoft.com/office/drawing/2014/main" xmlns="" val="20000"/>
+                      <a16:colId xmlns="" xmlns:a16="http://schemas.microsoft.com/office/drawing/2014/main" val="20000"/>
                     </a:ext>
                   </a:extLst>
                 </a:gridCol>
                 <a:gridCol w="3840559">
                   <a:extLst>
                     <a:ext uri="{9D8B030D-6E8A-4147-A177-3AD203B41FA5}">
-                      <a16:colId xmlns:a16="http://schemas.microsoft.com/office/drawing/2014/main" xmlns="" val="20001"/>
+                      <a16:colId xmlns="" xmlns:a16="http://schemas.microsoft.com/office/drawing/2014/main" val="20001"/>
                     </a:ext>
                   </a:extLst>
                 </a:gridCol>
                 <a:gridCol w="3840559">
                   <a:extLst>
                     <a:ext uri="{9D8B030D-6E8A-4147-A177-3AD203B41FA5}">
-                      <a16:colId xmlns:a16="http://schemas.microsoft.com/office/drawing/2014/main" xmlns="" val="20002"/>
+                      <a16:colId xmlns="" xmlns:a16="http://schemas.microsoft.com/office/drawing/2014/main" val="20002"/>
                     </a:ext>
                   </a:extLst>
                 </a:gridCol>
@@ -36098,7 +36175,7 @@
                 </a:tc>
                 <a:extLst>
                   <a:ext uri="{0D108BD9-81ED-4DB2-BD59-A6C34878D82A}">
-                    <a16:rowId xmlns:a16="http://schemas.microsoft.com/office/drawing/2014/main" xmlns="" val="10000"/>
+                    <a16:rowId xmlns="" xmlns:a16="http://schemas.microsoft.com/office/drawing/2014/main" val="10000"/>
                   </a:ext>
                 </a:extLst>
               </a:tr>
@@ -36214,7 +36291,7 @@
                 </a:tc>
                 <a:extLst>
                   <a:ext uri="{0D108BD9-81ED-4DB2-BD59-A6C34878D82A}">
-                    <a16:rowId xmlns:a16="http://schemas.microsoft.com/office/drawing/2014/main" xmlns="" val="10001"/>
+                    <a16:rowId xmlns="" xmlns:a16="http://schemas.microsoft.com/office/drawing/2014/main" val="10001"/>
                   </a:ext>
                 </a:extLst>
               </a:tr>
@@ -36301,7 +36378,7 @@
                 </a:tc>
                 <a:extLst>
                   <a:ext uri="{0D108BD9-81ED-4DB2-BD59-A6C34878D82A}">
-                    <a16:rowId xmlns:a16="http://schemas.microsoft.com/office/drawing/2014/main" xmlns="" val="10002"/>
+                    <a16:rowId xmlns="" xmlns:a16="http://schemas.microsoft.com/office/drawing/2014/main" val="10002"/>
                   </a:ext>
                 </a:extLst>
               </a:tr>

--- a/Freshman_Train_RFID.pptx
+++ b/Freshman_Train_RFID.pptx
@@ -2102,7 +2102,15 @@
           <a:p>
             <a:r>
               <a:rPr lang="zh-TW" altLang="en-US" dirty="0" smtClean="0"/>
-              <a:t>主要適用 </a:t>
+              <a:t>主要</a:t>
+            </a:r>
+            <a:r>
+              <a:rPr lang="zh-TW" altLang="en-US" dirty="0" smtClean="0"/>
+              <a:t>是</a:t>
+            </a:r>
+            <a:r>
+              <a:rPr lang="zh-TW" altLang="en-US" dirty="0" smtClean="0"/>
+              <a:t>用 </a:t>
             </a:r>
             <a:r>
               <a:rPr lang="en-US" altLang="zh-TW" dirty="0" smtClean="0"/>
@@ -2439,8 +2447,8 @@
               <a:t>前面是 </a:t>
             </a:r>
             <a:r>
-              <a:rPr kumimoji="1" lang="en-US" altLang="zh-TW" dirty="0" err="1" smtClean="0"/>
-              <a:t>reamble</a:t>
+              <a:rPr kumimoji="1" lang="en-US" altLang="zh-TW" smtClean="0"/>
+              <a:t>preamble</a:t>
             </a:r>
             <a:endParaRPr kumimoji="1" lang="zh-TW" altLang="en-US" dirty="0"/>
           </a:p>
@@ -4974,11 +4982,11 @@
               <a:defRPr/>
             </a:pPr>
             <a:r>
-              <a:rPr lang="en-US" altLang="zh-TW" smtClean="0"/>
+              <a:rPr lang="en-US" altLang="zh-TW" dirty="0" smtClean="0"/>
               <a:t>FCC : </a:t>
             </a:r>
             <a:r>
-              <a:rPr lang="en-US" altLang="zh-TW" sz="1200" b="0" i="0" u="sng" kern="1200" smtClean="0">
+              <a:rPr lang="en-US" altLang="zh-TW" sz="1200" b="0" i="0" u="sng" kern="1200" dirty="0" smtClean="0">
                 <a:solidFill>
                   <a:schemeClr val="tx1"/>
                 </a:solidFill>
@@ -4990,7 +4998,7 @@
               </a:rPr>
               <a:t>Federal Communications Commission</a:t>
             </a:r>
-            <a:endParaRPr lang="en-US" altLang="zh-TW" sz="1200" b="0" i="0" kern="1200" smtClean="0">
+            <a:endParaRPr lang="en-US" altLang="zh-TW" sz="1200" b="0" i="0" kern="1200" dirty="0" smtClean="0">
               <a:solidFill>
                 <a:schemeClr val="tx1"/>
               </a:solidFill>
@@ -18659,7 +18667,7 @@
         </p:nvSpPr>
         <p:spPr>
           <a:xfrm>
-            <a:off x="5619450" y="1702768"/>
+            <a:off x="5619450" y="1691193"/>
             <a:ext cx="404018" cy="553998"/>
           </a:xfrm>
           <a:prstGeom prst="rect">

--- a/Freshman_Train_RFID.pptx
+++ b/Freshman_Train_RFID.pptx
@@ -2102,15 +2102,7 @@
           <a:p>
             <a:r>
               <a:rPr lang="zh-TW" altLang="en-US" dirty="0" smtClean="0"/>
-              <a:t>主要</a:t>
-            </a:r>
-            <a:r>
-              <a:rPr lang="zh-TW" altLang="en-US" dirty="0" smtClean="0"/>
-              <a:t>是</a:t>
-            </a:r>
-            <a:r>
-              <a:rPr lang="zh-TW" altLang="en-US" dirty="0" smtClean="0"/>
-              <a:t>用 </a:t>
+              <a:t>主要是用 </a:t>
             </a:r>
             <a:r>
               <a:rPr lang="en-US" altLang="zh-TW" dirty="0" smtClean="0"/>
@@ -4955,11 +4947,7 @@
             </a:r>
             <a:r>
               <a:rPr lang="zh-TW" altLang="en-US" dirty="0" smtClean="0"/>
-              <a:t> 使用物件及</a:t>
-            </a:r>
-            <a:r>
-              <a:rPr lang="zh-TW" altLang="en-US" dirty="0" smtClean="0"/>
-              <a:t>特性</a:t>
+              <a:t> 使用物件及特性</a:t>
             </a:r>
             <a:endParaRPr lang="en-US" altLang="zh-TW" dirty="0" smtClean="0"/>
           </a:p>
@@ -5542,7 +5530,7 @@
           <p:cNvPr id="20" name="Group 19">
             <a:extLst>
               <a:ext uri="{FF2B5EF4-FFF2-40B4-BE49-F238E27FC236}">
-                <a16:creationId xmlns="" xmlns:a16="http://schemas.microsoft.com/office/drawing/2014/main" id="{C3ED851A-5624-9445-94A3-FC256390EFF0}"/>
+                <a16:creationId xmlns:a16="http://schemas.microsoft.com/office/drawing/2014/main" xmlns="" id="{C3ED851A-5624-9445-94A3-FC256390EFF0}"/>
               </a:ext>
             </a:extLst>
           </p:cNvPr>
@@ -5562,7 +5550,7 @@
             <p:cNvPr id="21" name="箭號: 五邊形 12">
               <a:extLst>
                 <a:ext uri="{FF2B5EF4-FFF2-40B4-BE49-F238E27FC236}">
-                  <a16:creationId xmlns="" xmlns:a16="http://schemas.microsoft.com/office/drawing/2014/main" id="{7DED8486-E1FD-814E-B2DE-F488A3CEA671}"/>
+                  <a16:creationId xmlns:a16="http://schemas.microsoft.com/office/drawing/2014/main" xmlns="" id="{7DED8486-E1FD-814E-B2DE-F488A3CEA671}"/>
                 </a:ext>
               </a:extLst>
             </p:cNvPr>
@@ -5614,7 +5602,7 @@
             <p:cNvPr id="23" name="箭號: 五邊形 12">
               <a:extLst>
                 <a:ext uri="{FF2B5EF4-FFF2-40B4-BE49-F238E27FC236}">
-                  <a16:creationId xmlns="" xmlns:a16="http://schemas.microsoft.com/office/drawing/2014/main" id="{8C392F49-5181-FA4B-9412-A387B34C316C}"/>
+                  <a16:creationId xmlns:a16="http://schemas.microsoft.com/office/drawing/2014/main" xmlns="" id="{8C392F49-5181-FA4B-9412-A387B34C316C}"/>
                 </a:ext>
               </a:extLst>
             </p:cNvPr>
@@ -5673,7 +5661,7 @@
             <p:cNvPr id="26" name="箭號: 五邊形 12">
               <a:extLst>
                 <a:ext uri="{FF2B5EF4-FFF2-40B4-BE49-F238E27FC236}">
-                  <a16:creationId xmlns="" xmlns:a16="http://schemas.microsoft.com/office/drawing/2014/main" id="{A2A2AEE9-8884-2D45-AA3A-3CE8B669A441}"/>
+                  <a16:creationId xmlns:a16="http://schemas.microsoft.com/office/drawing/2014/main" xmlns="" id="{A2A2AEE9-8884-2D45-AA3A-3CE8B669A441}"/>
                 </a:ext>
               </a:extLst>
             </p:cNvPr>
@@ -6102,7 +6090,7 @@
           <p:cNvPr id="34" name="Text Placeholder 3">
             <a:extLst>
               <a:ext uri="{FF2B5EF4-FFF2-40B4-BE49-F238E27FC236}">
-                <a16:creationId xmlns="" xmlns:a16="http://schemas.microsoft.com/office/drawing/2014/main" id="{CB4F27FF-A5B2-0945-A886-8994C9CF0F9A}"/>
+                <a16:creationId xmlns:a16="http://schemas.microsoft.com/office/drawing/2014/main" xmlns="" id="{CB4F27FF-A5B2-0945-A886-8994C9CF0F9A}"/>
               </a:ext>
             </a:extLst>
           </p:cNvPr>
@@ -6156,7 +6144,7 @@
           <p:cNvPr id="35" name="Content Placeholder 5">
             <a:extLst>
               <a:ext uri="{FF2B5EF4-FFF2-40B4-BE49-F238E27FC236}">
-                <a16:creationId xmlns="" xmlns:a16="http://schemas.microsoft.com/office/drawing/2014/main" id="{1CE5651F-F4F6-9D45-A553-66B6FFCA522B}"/>
+                <a16:creationId xmlns:a16="http://schemas.microsoft.com/office/drawing/2014/main" xmlns="" id="{1CE5651F-F4F6-9D45-A553-66B6FFCA522B}"/>
               </a:ext>
             </a:extLst>
           </p:cNvPr>
@@ -6204,7 +6192,7 @@
           <p:cNvPr id="6" name="Picture 5">
             <a:extLst>
               <a:ext uri="{FF2B5EF4-FFF2-40B4-BE49-F238E27FC236}">
-                <a16:creationId xmlns="" xmlns:a16="http://schemas.microsoft.com/office/drawing/2014/main" id="{5BB22815-3E3B-0B48-9DCA-B05C2D5B9D70}"/>
+                <a16:creationId xmlns:a16="http://schemas.microsoft.com/office/drawing/2014/main" xmlns="" id="{5BB22815-3E3B-0B48-9DCA-B05C2D5B9D70}"/>
               </a:ext>
             </a:extLst>
           </p:cNvPr>
@@ -7306,7 +7294,7 @@
           <p:cNvPr id="15" name="直排文字版面配置區 2">
             <a:extLst>
               <a:ext uri="{FF2B5EF4-FFF2-40B4-BE49-F238E27FC236}">
-                <a16:creationId xmlns="" xmlns:a16="http://schemas.microsoft.com/office/drawing/2014/main" id="{5B0754CD-A593-D647-8F43-33A88CDADB61}"/>
+                <a16:creationId xmlns:a16="http://schemas.microsoft.com/office/drawing/2014/main" xmlns="" id="{5B0754CD-A593-D647-8F43-33A88CDADB61}"/>
               </a:ext>
             </a:extLst>
           </p:cNvPr>
@@ -7516,7 +7504,7 @@
           <p:cNvPr id="20" name="Group 19">
             <a:extLst>
               <a:ext uri="{FF2B5EF4-FFF2-40B4-BE49-F238E27FC236}">
-                <a16:creationId xmlns="" xmlns:a16="http://schemas.microsoft.com/office/drawing/2014/main" id="{C3ED851A-5624-9445-94A3-FC256390EFF0}"/>
+                <a16:creationId xmlns:a16="http://schemas.microsoft.com/office/drawing/2014/main" xmlns="" id="{C3ED851A-5624-9445-94A3-FC256390EFF0}"/>
               </a:ext>
             </a:extLst>
           </p:cNvPr>
@@ -7536,7 +7524,7 @@
             <p:cNvPr id="21" name="箭號: 五邊形 12">
               <a:extLst>
                 <a:ext uri="{FF2B5EF4-FFF2-40B4-BE49-F238E27FC236}">
-                  <a16:creationId xmlns="" xmlns:a16="http://schemas.microsoft.com/office/drawing/2014/main" id="{7DED8486-E1FD-814E-B2DE-F488A3CEA671}"/>
+                  <a16:creationId xmlns:a16="http://schemas.microsoft.com/office/drawing/2014/main" xmlns="" id="{7DED8486-E1FD-814E-B2DE-F488A3CEA671}"/>
                 </a:ext>
               </a:extLst>
             </p:cNvPr>
@@ -7588,7 +7576,7 @@
             <p:cNvPr id="23" name="箭號: 五邊形 12">
               <a:extLst>
                 <a:ext uri="{FF2B5EF4-FFF2-40B4-BE49-F238E27FC236}">
-                  <a16:creationId xmlns="" xmlns:a16="http://schemas.microsoft.com/office/drawing/2014/main" id="{8C392F49-5181-FA4B-9412-A387B34C316C}"/>
+                  <a16:creationId xmlns:a16="http://schemas.microsoft.com/office/drawing/2014/main" xmlns="" id="{8C392F49-5181-FA4B-9412-A387B34C316C}"/>
                 </a:ext>
               </a:extLst>
             </p:cNvPr>
@@ -7647,7 +7635,7 @@
             <p:cNvPr id="26" name="箭號: 五邊形 12">
               <a:extLst>
                 <a:ext uri="{FF2B5EF4-FFF2-40B4-BE49-F238E27FC236}">
-                  <a16:creationId xmlns="" xmlns:a16="http://schemas.microsoft.com/office/drawing/2014/main" id="{A2A2AEE9-8884-2D45-AA3A-3CE8B669A441}"/>
+                  <a16:creationId xmlns:a16="http://schemas.microsoft.com/office/drawing/2014/main" xmlns="" id="{A2A2AEE9-8884-2D45-AA3A-3CE8B669A441}"/>
                 </a:ext>
               </a:extLst>
             </p:cNvPr>
@@ -8076,7 +8064,7 @@
           <p:cNvPr id="34" name="Text Placeholder 3">
             <a:extLst>
               <a:ext uri="{FF2B5EF4-FFF2-40B4-BE49-F238E27FC236}">
-                <a16:creationId xmlns="" xmlns:a16="http://schemas.microsoft.com/office/drawing/2014/main" id="{CB4F27FF-A5B2-0945-A886-8994C9CF0F9A}"/>
+                <a16:creationId xmlns:a16="http://schemas.microsoft.com/office/drawing/2014/main" xmlns="" id="{CB4F27FF-A5B2-0945-A886-8994C9CF0F9A}"/>
               </a:ext>
             </a:extLst>
           </p:cNvPr>
@@ -8130,7 +8118,7 @@
           <p:cNvPr id="35" name="Content Placeholder 5">
             <a:extLst>
               <a:ext uri="{FF2B5EF4-FFF2-40B4-BE49-F238E27FC236}">
-                <a16:creationId xmlns="" xmlns:a16="http://schemas.microsoft.com/office/drawing/2014/main" id="{1CE5651F-F4F6-9D45-A553-66B6FFCA522B}"/>
+                <a16:creationId xmlns:a16="http://schemas.microsoft.com/office/drawing/2014/main" xmlns="" id="{1CE5651F-F4F6-9D45-A553-66B6FFCA522B}"/>
               </a:ext>
             </a:extLst>
           </p:cNvPr>
@@ -8178,7 +8166,7 @@
           <p:cNvPr id="6" name="Picture 5">
             <a:extLst>
               <a:ext uri="{FF2B5EF4-FFF2-40B4-BE49-F238E27FC236}">
-                <a16:creationId xmlns="" xmlns:a16="http://schemas.microsoft.com/office/drawing/2014/main" id="{5BB22815-3E3B-0B48-9DCA-B05C2D5B9D70}"/>
+                <a16:creationId xmlns:a16="http://schemas.microsoft.com/office/drawing/2014/main" xmlns="" id="{5BB22815-3E3B-0B48-9DCA-B05C2D5B9D70}"/>
               </a:ext>
             </a:extLst>
           </p:cNvPr>
@@ -8890,7 +8878,7 @@
           <p:cNvPr id="12" name="Group 11">
             <a:extLst>
               <a:ext uri="{FF2B5EF4-FFF2-40B4-BE49-F238E27FC236}">
-                <a16:creationId xmlns="" xmlns:a16="http://schemas.microsoft.com/office/drawing/2014/main" id="{FECCA331-FFA6-F840-9C60-BF25ACF3BDB5}"/>
+                <a16:creationId xmlns:a16="http://schemas.microsoft.com/office/drawing/2014/main" xmlns="" id="{FECCA331-FFA6-F840-9C60-BF25ACF3BDB5}"/>
               </a:ext>
             </a:extLst>
           </p:cNvPr>
@@ -8910,7 +8898,7 @@
             <p:cNvPr id="13" name="箭號: 五邊形 12">
               <a:extLst>
                 <a:ext uri="{FF2B5EF4-FFF2-40B4-BE49-F238E27FC236}">
-                  <a16:creationId xmlns="" xmlns:a16="http://schemas.microsoft.com/office/drawing/2014/main" id="{1ECC6466-4EFD-5345-BC17-67AB57731DB7}"/>
+                  <a16:creationId xmlns:a16="http://schemas.microsoft.com/office/drawing/2014/main" xmlns="" id="{1ECC6466-4EFD-5345-BC17-67AB57731DB7}"/>
                 </a:ext>
               </a:extLst>
             </p:cNvPr>
@@ -8962,7 +8950,7 @@
             <p:cNvPr id="14" name="箭號: 五邊形 12">
               <a:extLst>
                 <a:ext uri="{FF2B5EF4-FFF2-40B4-BE49-F238E27FC236}">
-                  <a16:creationId xmlns="" xmlns:a16="http://schemas.microsoft.com/office/drawing/2014/main" id="{6CF55724-0A99-E64A-AB4C-0938CB62E153}"/>
+                  <a16:creationId xmlns:a16="http://schemas.microsoft.com/office/drawing/2014/main" xmlns="" id="{6CF55724-0A99-E64A-AB4C-0938CB62E153}"/>
                 </a:ext>
               </a:extLst>
             </p:cNvPr>
@@ -9021,7 +9009,7 @@
             <p:cNvPr id="15" name="箭號: 五邊形 12">
               <a:extLst>
                 <a:ext uri="{FF2B5EF4-FFF2-40B4-BE49-F238E27FC236}">
-                  <a16:creationId xmlns="" xmlns:a16="http://schemas.microsoft.com/office/drawing/2014/main" id="{D65D1FB8-4CF4-8B4A-A307-6F7F618C0D88}"/>
+                  <a16:creationId xmlns:a16="http://schemas.microsoft.com/office/drawing/2014/main" xmlns="" id="{D65D1FB8-4CF4-8B4A-A307-6F7F618C0D88}"/>
                 </a:ext>
               </a:extLst>
             </p:cNvPr>
@@ -9330,7 +9318,7 @@
           <p:cNvPr id="5" name="Picture 4">
             <a:extLst>
               <a:ext uri="{FF2B5EF4-FFF2-40B4-BE49-F238E27FC236}">
-                <a16:creationId xmlns="" xmlns:a16="http://schemas.microsoft.com/office/drawing/2014/main" id="{33C27645-19DC-4542-810A-E94761D6E227}"/>
+                <a16:creationId xmlns:a16="http://schemas.microsoft.com/office/drawing/2014/main" xmlns="" id="{33C27645-19DC-4542-810A-E94761D6E227}"/>
               </a:ext>
             </a:extLst>
           </p:cNvPr>
@@ -9829,7 +9817,7 @@
           <p:cNvPr id="23" name="內容版面配置區 2">
             <a:extLst>
               <a:ext uri="{FF2B5EF4-FFF2-40B4-BE49-F238E27FC236}">
-                <a16:creationId xmlns="" xmlns:a16="http://schemas.microsoft.com/office/drawing/2014/main" id="{9D1178A4-A62F-AE47-B4FD-DFBDEBC0B7E1}"/>
+                <a16:creationId xmlns:a16="http://schemas.microsoft.com/office/drawing/2014/main" xmlns="" id="{9D1178A4-A62F-AE47-B4FD-DFBDEBC0B7E1}"/>
               </a:ext>
             </a:extLst>
           </p:cNvPr>
@@ -9976,7 +9964,7 @@
           <p:cNvPr id="24" name="內容版面配置區 2">
             <a:extLst>
               <a:ext uri="{FF2B5EF4-FFF2-40B4-BE49-F238E27FC236}">
-                <a16:creationId xmlns="" xmlns:a16="http://schemas.microsoft.com/office/drawing/2014/main" id="{18BDE748-AF06-9848-B53D-40087470A386}"/>
+                <a16:creationId xmlns:a16="http://schemas.microsoft.com/office/drawing/2014/main" xmlns="" id="{18BDE748-AF06-9848-B53D-40087470A386}"/>
               </a:ext>
             </a:extLst>
           </p:cNvPr>
@@ -10727,7 +10715,7 @@
           <p:cNvPr id="20" name="內容版面配置區 2">
             <a:extLst>
               <a:ext uri="{FF2B5EF4-FFF2-40B4-BE49-F238E27FC236}">
-                <a16:creationId xmlns="" xmlns:a16="http://schemas.microsoft.com/office/drawing/2014/main" id="{9A4A12A5-18A4-CA4A-8E68-97EAFD19927B}"/>
+                <a16:creationId xmlns:a16="http://schemas.microsoft.com/office/drawing/2014/main" xmlns="" id="{9A4A12A5-18A4-CA4A-8E68-97EAFD19927B}"/>
               </a:ext>
             </a:extLst>
           </p:cNvPr>
@@ -10874,7 +10862,7 @@
           <p:cNvPr id="21" name="內容版面配置區 2">
             <a:extLst>
               <a:ext uri="{FF2B5EF4-FFF2-40B4-BE49-F238E27FC236}">
-                <a16:creationId xmlns="" xmlns:a16="http://schemas.microsoft.com/office/drawing/2014/main" id="{E09B3CAD-22B9-BC48-9D7D-2345FF14DD38}"/>
+                <a16:creationId xmlns:a16="http://schemas.microsoft.com/office/drawing/2014/main" xmlns="" id="{E09B3CAD-22B9-BC48-9D7D-2345FF14DD38}"/>
               </a:ext>
             </a:extLst>
           </p:cNvPr>
@@ -11791,7 +11779,7 @@
           <p:cNvPr id="5" name="Group 4">
             <a:extLst>
               <a:ext uri="{FF2B5EF4-FFF2-40B4-BE49-F238E27FC236}">
-                <a16:creationId xmlns="" xmlns:a16="http://schemas.microsoft.com/office/drawing/2014/main" id="{4DADA6C2-E637-F642-95E5-0309E3EB9F41}"/>
+                <a16:creationId xmlns:a16="http://schemas.microsoft.com/office/drawing/2014/main" xmlns="" id="{4DADA6C2-E637-F642-95E5-0309E3EB9F41}"/>
               </a:ext>
             </a:extLst>
           </p:cNvPr>
@@ -11811,7 +11799,7 @@
             <p:cNvPr id="17" name="箭號: 五邊形 12">
               <a:extLst>
                 <a:ext uri="{FF2B5EF4-FFF2-40B4-BE49-F238E27FC236}">
-                  <a16:creationId xmlns="" xmlns:a16="http://schemas.microsoft.com/office/drawing/2014/main" id="{C3424005-2947-5749-B94D-7EE01D59B97D}"/>
+                  <a16:creationId xmlns:a16="http://schemas.microsoft.com/office/drawing/2014/main" xmlns="" id="{C3424005-2947-5749-B94D-7EE01D59B97D}"/>
                 </a:ext>
               </a:extLst>
             </p:cNvPr>
@@ -11863,7 +11851,7 @@
             <p:cNvPr id="16" name="箭號: 五邊形 12">
               <a:extLst>
                 <a:ext uri="{FF2B5EF4-FFF2-40B4-BE49-F238E27FC236}">
-                  <a16:creationId xmlns="" xmlns:a16="http://schemas.microsoft.com/office/drawing/2014/main" id="{78B68587-E393-9C46-A4CA-137BCC2B13AD}"/>
+                  <a16:creationId xmlns:a16="http://schemas.microsoft.com/office/drawing/2014/main" xmlns="" id="{78B68587-E393-9C46-A4CA-137BCC2B13AD}"/>
                 </a:ext>
               </a:extLst>
             </p:cNvPr>
@@ -12331,7 +12319,7 @@
           <p:cNvPr id="18" name="內容版面配置區 2">
             <a:extLst>
               <a:ext uri="{FF2B5EF4-FFF2-40B4-BE49-F238E27FC236}">
-                <a16:creationId xmlns="" xmlns:a16="http://schemas.microsoft.com/office/drawing/2014/main" id="{BB9680E6-3D9F-FF42-BA19-F206A773FE60}"/>
+                <a16:creationId xmlns:a16="http://schemas.microsoft.com/office/drawing/2014/main" xmlns="" id="{BB9680E6-3D9F-FF42-BA19-F206A773FE60}"/>
               </a:ext>
             </a:extLst>
           </p:cNvPr>
@@ -12516,7 +12504,7 @@
           <p:cNvPr id="15" name="Group 14">
             <a:extLst>
               <a:ext uri="{FF2B5EF4-FFF2-40B4-BE49-F238E27FC236}">
-                <a16:creationId xmlns="" xmlns:a16="http://schemas.microsoft.com/office/drawing/2014/main" id="{7108562A-19D8-3347-A5CB-8FD2094D2AC6}"/>
+                <a16:creationId xmlns:a16="http://schemas.microsoft.com/office/drawing/2014/main" xmlns="" id="{7108562A-19D8-3347-A5CB-8FD2094D2AC6}"/>
               </a:ext>
             </a:extLst>
           </p:cNvPr>
@@ -12536,7 +12524,7 @@
             <p:cNvPr id="16" name="箭號: 五邊形 12">
               <a:extLst>
                 <a:ext uri="{FF2B5EF4-FFF2-40B4-BE49-F238E27FC236}">
-                  <a16:creationId xmlns="" xmlns:a16="http://schemas.microsoft.com/office/drawing/2014/main" id="{0350FA7D-8512-F24E-9F36-7F4296D197F2}"/>
+                  <a16:creationId xmlns:a16="http://schemas.microsoft.com/office/drawing/2014/main" xmlns="" id="{0350FA7D-8512-F24E-9F36-7F4296D197F2}"/>
                 </a:ext>
               </a:extLst>
             </p:cNvPr>
@@ -12588,7 +12576,7 @@
             <p:cNvPr id="17" name="箭號: 五邊形 12">
               <a:extLst>
                 <a:ext uri="{FF2B5EF4-FFF2-40B4-BE49-F238E27FC236}">
-                  <a16:creationId xmlns="" xmlns:a16="http://schemas.microsoft.com/office/drawing/2014/main" id="{125DE2BA-1E8B-2447-AEBE-4BDB2873316E}"/>
+                  <a16:creationId xmlns:a16="http://schemas.microsoft.com/office/drawing/2014/main" xmlns="" id="{125DE2BA-1E8B-2447-AEBE-4BDB2873316E}"/>
                 </a:ext>
               </a:extLst>
             </p:cNvPr>
@@ -12647,7 +12635,7 @@
             <p:cNvPr id="18" name="箭號: 五邊形 12">
               <a:extLst>
                 <a:ext uri="{FF2B5EF4-FFF2-40B4-BE49-F238E27FC236}">
-                  <a16:creationId xmlns="" xmlns:a16="http://schemas.microsoft.com/office/drawing/2014/main" id="{467877CF-B77C-BE4F-8D6F-89063BBFC3DE}"/>
+                  <a16:creationId xmlns:a16="http://schemas.microsoft.com/office/drawing/2014/main" xmlns="" id="{467877CF-B77C-BE4F-8D6F-89063BBFC3DE}"/>
                 </a:ext>
               </a:extLst>
             </p:cNvPr>
@@ -13010,7 +12998,7 @@
           <p:cNvPr id="22" name="標題 1">
             <a:extLst>
               <a:ext uri="{FF2B5EF4-FFF2-40B4-BE49-F238E27FC236}">
-                <a16:creationId xmlns="" xmlns:a16="http://schemas.microsoft.com/office/drawing/2014/main" id="{6E193196-9107-784C-A964-C67153D060CB}"/>
+                <a16:creationId xmlns:a16="http://schemas.microsoft.com/office/drawing/2014/main" xmlns="" id="{6E193196-9107-784C-A964-C67153D060CB}"/>
               </a:ext>
             </a:extLst>
           </p:cNvPr>
@@ -13053,7 +13041,7 @@
           <p:cNvPr id="24" name="文字版面配置區 3">
             <a:extLst>
               <a:ext uri="{FF2B5EF4-FFF2-40B4-BE49-F238E27FC236}">
-                <a16:creationId xmlns="" xmlns:a16="http://schemas.microsoft.com/office/drawing/2014/main" id="{5922BEEB-F3AC-E443-B34D-CE264A982284}"/>
+                <a16:creationId xmlns:a16="http://schemas.microsoft.com/office/drawing/2014/main" xmlns="" id="{5922BEEB-F3AC-E443-B34D-CE264A982284}"/>
               </a:ext>
             </a:extLst>
           </p:cNvPr>
@@ -25780,20 +25768,20 @@
               <a:t>. IEEE </a:t>
             </a:r>
             <a:r>
-              <a:rPr lang="en-US" altLang="zh-TW" sz="2400" dirty="0" err="1" smtClean="0">
-                <a:latin typeface="Times New Roman" charset="0"/>
-                <a:ea typeface="Times New Roman" charset="0"/>
-                <a:cs typeface="Times New Roman" charset="0"/>
-              </a:rPr>
-              <a:t>Infocom</a:t>
-            </a:r>
-            <a:r>
               <a:rPr lang="en-US" altLang="zh-TW" sz="2400" dirty="0" smtClean="0">
                 <a:latin typeface="Times New Roman" charset="0"/>
                 <a:ea typeface="Times New Roman" charset="0"/>
                 <a:cs typeface="Times New Roman" charset="0"/>
               </a:rPr>
-              <a:t>, 2018</a:t>
+              <a:t>INFOCOM, </a:t>
+            </a:r>
+            <a:r>
+              <a:rPr lang="en-US" altLang="zh-TW" sz="2400" dirty="0" smtClean="0">
+                <a:latin typeface="Times New Roman" charset="0"/>
+                <a:ea typeface="Times New Roman" charset="0"/>
+                <a:cs typeface="Times New Roman" charset="0"/>
+              </a:rPr>
+              <a:t>2018</a:t>
             </a:r>
             <a:endParaRPr lang="en-US" altLang="zh-TW" sz="2400" dirty="0">
               <a:latin typeface="Times New Roman" charset="0"/>
@@ -26022,20 +26010,20 @@
               <a:t>IEEE </a:t>
             </a:r>
             <a:r>
-              <a:rPr lang="en-US" altLang="zh-TW" sz="2400" dirty="0" err="1" smtClean="0">
-                <a:latin typeface="Times New Roman" charset="0"/>
-                <a:ea typeface="Times New Roman" charset="0"/>
-                <a:cs typeface="Times New Roman" charset="0"/>
-              </a:rPr>
-              <a:t>Infocom</a:t>
-            </a:r>
-            <a:r>
               <a:rPr lang="en-US" altLang="zh-TW" sz="2400" dirty="0" smtClean="0">
                 <a:latin typeface="Times New Roman" charset="0"/>
                 <a:ea typeface="Times New Roman" charset="0"/>
                 <a:cs typeface="Times New Roman" charset="0"/>
               </a:rPr>
-              <a:t>, 2017</a:t>
+              <a:t>INFOCOM, </a:t>
+            </a:r>
+            <a:r>
+              <a:rPr lang="en-US" altLang="zh-TW" sz="2400" dirty="0" smtClean="0">
+                <a:latin typeface="Times New Roman" charset="0"/>
+                <a:ea typeface="Times New Roman" charset="0"/>
+                <a:cs typeface="Times New Roman" charset="0"/>
+              </a:rPr>
+              <a:t>2017</a:t>
             </a:r>
             <a:endParaRPr lang="en-US" altLang="zh-TW" sz="2400" dirty="0">
               <a:latin typeface="Times New Roman" charset="0"/>
@@ -26511,6 +26499,41 @@
                 <a:cs typeface="Times New Roman" charset="0"/>
               </a:rPr>
               <a:t>performance</a:t>
+            </a:r>
+            <a:endParaRPr lang="zh-TW" altLang="en-US" dirty="0" smtClean="0">
+              <a:latin typeface="Times New Roman" charset="0"/>
+              <a:ea typeface="Times New Roman" charset="0"/>
+              <a:cs typeface="Times New Roman" charset="0"/>
+            </a:endParaRPr>
+          </a:p>
+          <a:p>
+            <a:r>
+              <a:rPr lang="en-US" altLang="zh-TW" dirty="0" smtClean="0">
+                <a:latin typeface="Times New Roman" charset="0"/>
+                <a:ea typeface="Times New Roman" charset="0"/>
+                <a:cs typeface="Times New Roman" charset="0"/>
+              </a:rPr>
+              <a:t>INFOCOM</a:t>
+            </a:r>
+          </a:p>
+          <a:p>
+            <a:r>
+              <a:rPr lang="en-US" altLang="zh-TW" dirty="0" smtClean="0">
+                <a:latin typeface="Times New Roman" charset="0"/>
+                <a:ea typeface="Times New Roman" charset="0"/>
+                <a:cs typeface="Times New Roman" charset="0"/>
+              </a:rPr>
+              <a:t>SIGCOM</a:t>
+            </a:r>
+          </a:p>
+          <a:p>
+            <a:r>
+              <a:rPr lang="en-US" altLang="zh-TW" dirty="0" err="1" smtClean="0">
+                <a:latin typeface="Times New Roman" charset="0"/>
+                <a:ea typeface="Times New Roman" charset="0"/>
+                <a:cs typeface="Times New Roman" charset="0"/>
+              </a:rPr>
+              <a:t>MobiCOM</a:t>
             </a:r>
             <a:endParaRPr lang="en-US" altLang="zh-TW" dirty="0">
               <a:latin typeface="Times New Roman" charset="0"/>
@@ -27680,35 +27703,35 @@
                 <a:gridCol w="2331963">
                   <a:extLst>
                     <a:ext uri="{9D8B030D-6E8A-4147-A177-3AD203B41FA5}">
-                      <a16:colId xmlns="" xmlns:a16="http://schemas.microsoft.com/office/drawing/2014/main" val="20000"/>
+                      <a16:colId xmlns:a16="http://schemas.microsoft.com/office/drawing/2014/main" xmlns="" val="20000"/>
                     </a:ext>
                   </a:extLst>
                 </a:gridCol>
                 <a:gridCol w="2331963">
                   <a:extLst>
                     <a:ext uri="{9D8B030D-6E8A-4147-A177-3AD203B41FA5}">
-                      <a16:colId xmlns="" xmlns:a16="http://schemas.microsoft.com/office/drawing/2014/main" val="20001"/>
+                      <a16:colId xmlns:a16="http://schemas.microsoft.com/office/drawing/2014/main" xmlns="" val="20001"/>
                     </a:ext>
                   </a:extLst>
                 </a:gridCol>
                 <a:gridCol w="2331963">
                   <a:extLst>
                     <a:ext uri="{9D8B030D-6E8A-4147-A177-3AD203B41FA5}">
-                      <a16:colId xmlns="" xmlns:a16="http://schemas.microsoft.com/office/drawing/2014/main" val="20002"/>
+                      <a16:colId xmlns:a16="http://schemas.microsoft.com/office/drawing/2014/main" xmlns="" val="20002"/>
                     </a:ext>
                   </a:extLst>
                 </a:gridCol>
                 <a:gridCol w="2331963">
                   <a:extLst>
                     <a:ext uri="{9D8B030D-6E8A-4147-A177-3AD203B41FA5}">
-                      <a16:colId xmlns="" xmlns:a16="http://schemas.microsoft.com/office/drawing/2014/main" val="20003"/>
+                      <a16:colId xmlns:a16="http://schemas.microsoft.com/office/drawing/2014/main" xmlns="" val="20003"/>
                     </a:ext>
                   </a:extLst>
                 </a:gridCol>
                 <a:gridCol w="2331963">
                   <a:extLst>
                     <a:ext uri="{9D8B030D-6E8A-4147-A177-3AD203B41FA5}">
-                      <a16:colId xmlns="" xmlns:a16="http://schemas.microsoft.com/office/drawing/2014/main" val="20004"/>
+                      <a16:colId xmlns:a16="http://schemas.microsoft.com/office/drawing/2014/main" xmlns="" val="20004"/>
                     </a:ext>
                   </a:extLst>
                 </a:gridCol>
@@ -28626,7 +28649,7 @@
                 </a:tc>
                 <a:extLst>
                   <a:ext uri="{0D108BD9-81ED-4DB2-BD59-A6C34878D82A}">
-                    <a16:rowId xmlns="" xmlns:a16="http://schemas.microsoft.com/office/drawing/2014/main" val="10000"/>
+                    <a16:rowId xmlns:a16="http://schemas.microsoft.com/office/drawing/2014/main" xmlns="" val="10000"/>
                   </a:ext>
                 </a:extLst>
               </a:tr>
@@ -29576,7 +29599,7 @@
                 </a:tc>
                 <a:extLst>
                   <a:ext uri="{0D108BD9-81ED-4DB2-BD59-A6C34878D82A}">
-                    <a16:rowId xmlns="" xmlns:a16="http://schemas.microsoft.com/office/drawing/2014/main" val="10001"/>
+                    <a16:rowId xmlns:a16="http://schemas.microsoft.com/office/drawing/2014/main" xmlns="" val="10001"/>
                   </a:ext>
                 </a:extLst>
               </a:tr>
@@ -30559,7 +30582,7 @@
                 </a:tc>
                 <a:extLst>
                   <a:ext uri="{0D108BD9-81ED-4DB2-BD59-A6C34878D82A}">
-                    <a16:rowId xmlns="" xmlns:a16="http://schemas.microsoft.com/office/drawing/2014/main" val="10002"/>
+                    <a16:rowId xmlns:a16="http://schemas.microsoft.com/office/drawing/2014/main" xmlns="" val="10002"/>
                   </a:ext>
                 </a:extLst>
               </a:tr>
@@ -31509,7 +31532,7 @@
                 </a:tc>
                 <a:extLst>
                   <a:ext uri="{0D108BD9-81ED-4DB2-BD59-A6C34878D82A}">
-                    <a16:rowId xmlns="" xmlns:a16="http://schemas.microsoft.com/office/drawing/2014/main" val="10003"/>
+                    <a16:rowId xmlns:a16="http://schemas.microsoft.com/office/drawing/2014/main" xmlns="" val="10003"/>
                   </a:ext>
                 </a:extLst>
               </a:tr>
@@ -32459,7 +32482,7 @@
                 </a:tc>
                 <a:extLst>
                   <a:ext uri="{0D108BD9-81ED-4DB2-BD59-A6C34878D82A}">
-                    <a16:rowId xmlns="" xmlns:a16="http://schemas.microsoft.com/office/drawing/2014/main" val="10004"/>
+                    <a16:rowId xmlns:a16="http://schemas.microsoft.com/office/drawing/2014/main" xmlns="" val="10004"/>
                   </a:ext>
                 </a:extLst>
               </a:tr>
@@ -35564,21 +35587,21 @@
                 <a:gridCol w="3840559">
                   <a:extLst>
                     <a:ext uri="{9D8B030D-6E8A-4147-A177-3AD203B41FA5}">
-                      <a16:colId xmlns="" xmlns:a16="http://schemas.microsoft.com/office/drawing/2014/main" val="20000"/>
+                      <a16:colId xmlns:a16="http://schemas.microsoft.com/office/drawing/2014/main" xmlns="" val="20000"/>
                     </a:ext>
                   </a:extLst>
                 </a:gridCol>
                 <a:gridCol w="3840559">
                   <a:extLst>
                     <a:ext uri="{9D8B030D-6E8A-4147-A177-3AD203B41FA5}">
-                      <a16:colId xmlns="" xmlns:a16="http://schemas.microsoft.com/office/drawing/2014/main" val="20001"/>
+                      <a16:colId xmlns:a16="http://schemas.microsoft.com/office/drawing/2014/main" xmlns="" val="20001"/>
                     </a:ext>
                   </a:extLst>
                 </a:gridCol>
                 <a:gridCol w="3840559">
                   <a:extLst>
                     <a:ext uri="{9D8B030D-6E8A-4147-A177-3AD203B41FA5}">
-                      <a16:colId xmlns="" xmlns:a16="http://schemas.microsoft.com/office/drawing/2014/main" val="20002"/>
+                      <a16:colId xmlns:a16="http://schemas.microsoft.com/office/drawing/2014/main" xmlns="" val="20002"/>
                     </a:ext>
                   </a:extLst>
                 </a:gridCol>
@@ -35684,7 +35707,7 @@
                 </a:tc>
                 <a:extLst>
                   <a:ext uri="{0D108BD9-81ED-4DB2-BD59-A6C34878D82A}">
-                    <a16:rowId xmlns="" xmlns:a16="http://schemas.microsoft.com/office/drawing/2014/main" val="10000"/>
+                    <a16:rowId xmlns:a16="http://schemas.microsoft.com/office/drawing/2014/main" xmlns="" val="10000"/>
                   </a:ext>
                 </a:extLst>
               </a:tr>
@@ -35779,7 +35802,7 @@
                 </a:tc>
                 <a:extLst>
                   <a:ext uri="{0D108BD9-81ED-4DB2-BD59-A6C34878D82A}">
-                    <a16:rowId xmlns="" xmlns:a16="http://schemas.microsoft.com/office/drawing/2014/main" val="10001"/>
+                    <a16:rowId xmlns:a16="http://schemas.microsoft.com/office/drawing/2014/main" xmlns="" val="10001"/>
                   </a:ext>
                 </a:extLst>
               </a:tr>
@@ -35866,7 +35889,7 @@
                 </a:tc>
                 <a:extLst>
                   <a:ext uri="{0D108BD9-81ED-4DB2-BD59-A6C34878D82A}">
-                    <a16:rowId xmlns="" xmlns:a16="http://schemas.microsoft.com/office/drawing/2014/main" val="10002"/>
+                    <a16:rowId xmlns:a16="http://schemas.microsoft.com/office/drawing/2014/main" xmlns="" val="10002"/>
                   </a:ext>
                 </a:extLst>
               </a:tr>
@@ -36063,21 +36086,21 @@
                 <a:gridCol w="3840559">
                   <a:extLst>
                     <a:ext uri="{9D8B030D-6E8A-4147-A177-3AD203B41FA5}">
-                      <a16:colId xmlns="" xmlns:a16="http://schemas.microsoft.com/office/drawing/2014/main" val="20000"/>
+                      <a16:colId xmlns:a16="http://schemas.microsoft.com/office/drawing/2014/main" xmlns="" val="20000"/>
                     </a:ext>
                   </a:extLst>
                 </a:gridCol>
                 <a:gridCol w="3840559">
                   <a:extLst>
                     <a:ext uri="{9D8B030D-6E8A-4147-A177-3AD203B41FA5}">
-                      <a16:colId xmlns="" xmlns:a16="http://schemas.microsoft.com/office/drawing/2014/main" val="20001"/>
+                      <a16:colId xmlns:a16="http://schemas.microsoft.com/office/drawing/2014/main" xmlns="" val="20001"/>
                     </a:ext>
                   </a:extLst>
                 </a:gridCol>
                 <a:gridCol w="3840559">
                   <a:extLst>
                     <a:ext uri="{9D8B030D-6E8A-4147-A177-3AD203B41FA5}">
-                      <a16:colId xmlns="" xmlns:a16="http://schemas.microsoft.com/office/drawing/2014/main" val="20002"/>
+                      <a16:colId xmlns:a16="http://schemas.microsoft.com/office/drawing/2014/main" xmlns="" val="20002"/>
                     </a:ext>
                   </a:extLst>
                 </a:gridCol>
@@ -36183,7 +36206,7 @@
                 </a:tc>
                 <a:extLst>
                   <a:ext uri="{0D108BD9-81ED-4DB2-BD59-A6C34878D82A}">
-                    <a16:rowId xmlns="" xmlns:a16="http://schemas.microsoft.com/office/drawing/2014/main" val="10000"/>
+                    <a16:rowId xmlns:a16="http://schemas.microsoft.com/office/drawing/2014/main" xmlns="" val="10000"/>
                   </a:ext>
                 </a:extLst>
               </a:tr>
@@ -36299,7 +36322,7 @@
                 </a:tc>
                 <a:extLst>
                   <a:ext uri="{0D108BD9-81ED-4DB2-BD59-A6C34878D82A}">
-                    <a16:rowId xmlns="" xmlns:a16="http://schemas.microsoft.com/office/drawing/2014/main" val="10001"/>
+                    <a16:rowId xmlns:a16="http://schemas.microsoft.com/office/drawing/2014/main" xmlns="" val="10001"/>
                   </a:ext>
                 </a:extLst>
               </a:tr>
@@ -36386,7 +36409,7 @@
                 </a:tc>
                 <a:extLst>
                   <a:ext uri="{0D108BD9-81ED-4DB2-BD59-A6C34878D82A}">
-                    <a16:rowId xmlns="" xmlns:a16="http://schemas.microsoft.com/office/drawing/2014/main" val="10002"/>
+                    <a16:rowId xmlns:a16="http://schemas.microsoft.com/office/drawing/2014/main" xmlns="" val="10002"/>
                   </a:ext>
                 </a:extLst>
               </a:tr>
